--- a/자소서/마이다스아이티/백승찬_PT자료.pptx
+++ b/자소서/마이다스아이티/백승찬_PT자료.pptx
@@ -8,19 +8,21 @@
     <p:sldId id="256" r:id="rId2"/>
     <p:sldId id="257" r:id="rId3"/>
     <p:sldId id="258" r:id="rId4"/>
-    <p:sldId id="259" r:id="rId5"/>
-    <p:sldId id="260" r:id="rId6"/>
-    <p:sldId id="261" r:id="rId7"/>
-    <p:sldId id="262" r:id="rId8"/>
-    <p:sldId id="263" r:id="rId9"/>
-    <p:sldId id="264" r:id="rId10"/>
-    <p:sldId id="265" r:id="rId11"/>
-    <p:sldId id="266" r:id="rId12"/>
-    <p:sldId id="271" r:id="rId13"/>
-    <p:sldId id="267" r:id="rId14"/>
-    <p:sldId id="268" r:id="rId15"/>
-    <p:sldId id="269" r:id="rId16"/>
-    <p:sldId id="270" r:id="rId17"/>
+    <p:sldId id="272" r:id="rId5"/>
+    <p:sldId id="273" r:id="rId6"/>
+    <p:sldId id="274" r:id="rId7"/>
+    <p:sldId id="261" r:id="rId8"/>
+    <p:sldId id="275" r:id="rId9"/>
+    <p:sldId id="262" r:id="rId10"/>
+    <p:sldId id="263" r:id="rId11"/>
+    <p:sldId id="264" r:id="rId12"/>
+    <p:sldId id="265" r:id="rId13"/>
+    <p:sldId id="266" r:id="rId14"/>
+    <p:sldId id="271" r:id="rId15"/>
+    <p:sldId id="267" r:id="rId16"/>
+    <p:sldId id="268" r:id="rId17"/>
+    <p:sldId id="269" r:id="rId18"/>
+    <p:sldId id="270" r:id="rId19"/>
   </p:sldIdLst>
   <p:sldSz cx="12192000" cy="6858000"/>
   <p:notesSz cx="6858000" cy="9144000"/>
@@ -258,7 +260,7 @@
           <a:p>
             <a:fld id="{67521E42-1021-4D4C-9736-BE60ED1D57D0}" type="datetimeFigureOut">
               <a:rPr lang="ko-KR" altLang="en-US" smtClean="0"/>
-              <a:t>2017-10-23</a:t>
+              <a:t>2017-10-24</a:t>
             </a:fld>
             <a:endParaRPr lang="ko-KR" altLang="en-US"/>
           </a:p>
@@ -428,7 +430,7 @@
           <a:p>
             <a:fld id="{67521E42-1021-4D4C-9736-BE60ED1D57D0}" type="datetimeFigureOut">
               <a:rPr lang="ko-KR" altLang="en-US" smtClean="0"/>
-              <a:t>2017-10-23</a:t>
+              <a:t>2017-10-24</a:t>
             </a:fld>
             <a:endParaRPr lang="ko-KR" altLang="en-US"/>
           </a:p>
@@ -608,7 +610,7 @@
           <a:p>
             <a:fld id="{67521E42-1021-4D4C-9736-BE60ED1D57D0}" type="datetimeFigureOut">
               <a:rPr lang="ko-KR" altLang="en-US" smtClean="0"/>
-              <a:t>2017-10-23</a:t>
+              <a:t>2017-10-24</a:t>
             </a:fld>
             <a:endParaRPr lang="ko-KR" altLang="en-US"/>
           </a:p>
@@ -778,7 +780,7 @@
           <a:p>
             <a:fld id="{67521E42-1021-4D4C-9736-BE60ED1D57D0}" type="datetimeFigureOut">
               <a:rPr lang="ko-KR" altLang="en-US" smtClean="0"/>
-              <a:t>2017-10-23</a:t>
+              <a:t>2017-10-24</a:t>
             </a:fld>
             <a:endParaRPr lang="ko-KR" altLang="en-US"/>
           </a:p>
@@ -1024,7 +1026,7 @@
           <a:p>
             <a:fld id="{67521E42-1021-4D4C-9736-BE60ED1D57D0}" type="datetimeFigureOut">
               <a:rPr lang="ko-KR" altLang="en-US" smtClean="0"/>
-              <a:t>2017-10-23</a:t>
+              <a:t>2017-10-24</a:t>
             </a:fld>
             <a:endParaRPr lang="ko-KR" altLang="en-US"/>
           </a:p>
@@ -1256,7 +1258,7 @@
           <a:p>
             <a:fld id="{67521E42-1021-4D4C-9736-BE60ED1D57D0}" type="datetimeFigureOut">
               <a:rPr lang="ko-KR" altLang="en-US" smtClean="0"/>
-              <a:t>2017-10-23</a:t>
+              <a:t>2017-10-24</a:t>
             </a:fld>
             <a:endParaRPr lang="ko-KR" altLang="en-US"/>
           </a:p>
@@ -1623,7 +1625,7 @@
           <a:p>
             <a:fld id="{67521E42-1021-4D4C-9736-BE60ED1D57D0}" type="datetimeFigureOut">
               <a:rPr lang="ko-KR" altLang="en-US" smtClean="0"/>
-              <a:t>2017-10-23</a:t>
+              <a:t>2017-10-24</a:t>
             </a:fld>
             <a:endParaRPr lang="ko-KR" altLang="en-US"/>
           </a:p>
@@ -1741,7 +1743,7 @@
           <a:p>
             <a:fld id="{67521E42-1021-4D4C-9736-BE60ED1D57D0}" type="datetimeFigureOut">
               <a:rPr lang="ko-KR" altLang="en-US" smtClean="0"/>
-              <a:t>2017-10-23</a:t>
+              <a:t>2017-10-24</a:t>
             </a:fld>
             <a:endParaRPr lang="ko-KR" altLang="en-US"/>
           </a:p>
@@ -1836,7 +1838,7 @@
           <a:p>
             <a:fld id="{67521E42-1021-4D4C-9736-BE60ED1D57D0}" type="datetimeFigureOut">
               <a:rPr lang="ko-KR" altLang="en-US" smtClean="0"/>
-              <a:t>2017-10-23</a:t>
+              <a:t>2017-10-24</a:t>
             </a:fld>
             <a:endParaRPr lang="ko-KR" altLang="en-US"/>
           </a:p>
@@ -2113,7 +2115,7 @@
           <a:p>
             <a:fld id="{67521E42-1021-4D4C-9736-BE60ED1D57D0}" type="datetimeFigureOut">
               <a:rPr lang="ko-KR" altLang="en-US" smtClean="0"/>
-              <a:t>2017-10-23</a:t>
+              <a:t>2017-10-24</a:t>
             </a:fld>
             <a:endParaRPr lang="ko-KR" altLang="en-US"/>
           </a:p>
@@ -2366,7 +2368,7 @@
           <a:p>
             <a:fld id="{67521E42-1021-4D4C-9736-BE60ED1D57D0}" type="datetimeFigureOut">
               <a:rPr lang="ko-KR" altLang="en-US" smtClean="0"/>
-              <a:t>2017-10-23</a:t>
+              <a:t>2017-10-24</a:t>
             </a:fld>
             <a:endParaRPr lang="ko-KR" altLang="en-US"/>
           </a:p>
@@ -2584,7 +2586,7 @@
           <a:p>
             <a:fld id="{67521E42-1021-4D4C-9736-BE60ED1D57D0}" type="datetimeFigureOut">
               <a:rPr lang="ko-KR" altLang="en-US" smtClean="0"/>
-              <a:t>2017-10-23</a:t>
+              <a:t>2017-10-24</a:t>
             </a:fld>
             <a:endParaRPr lang="ko-KR" altLang="en-US"/>
           </a:p>
@@ -3010,7 +3012,7 @@
         </p:blipFill>
         <p:spPr>
           <a:xfrm>
-            <a:off x="4429258" y="1978429"/>
+            <a:off x="4429258" y="1288474"/>
             <a:ext cx="3333485" cy="2901142"/>
           </a:xfrm>
           <a:prstGeom prst="rect">
@@ -3018,6 +3020,200 @@
           </a:prstGeom>
         </p:spPr>
       </p:pic>
+      <p:sp>
+        <p:nvSpPr>
+          <p:cNvPr id="3" name="TextBox 2"/>
+          <p:cNvSpPr txBox="1"/>
+          <p:nvPr/>
+        </p:nvSpPr>
+        <p:spPr>
+          <a:xfrm>
+            <a:off x="4710845" y="4189616"/>
+            <a:ext cx="2770310" cy="1015663"/>
+          </a:xfrm>
+          <a:prstGeom prst="rect">
+            <a:avLst/>
+          </a:prstGeom>
+          <a:noFill/>
+        </p:spPr>
+        <p:txBody>
+          <a:bodyPr wrap="none" rtlCol="0" anchor="ctr">
+            <a:spAutoFit/>
+          </a:bodyPr>
+          <a:lstStyle/>
+          <a:p>
+            <a:pPr algn="ctr">
+              <a:lnSpc>
+                <a:spcPct val="150000"/>
+              </a:lnSpc>
+            </a:pPr>
+            <a:r>
+              <a:rPr lang="ko-KR" altLang="en-US" sz="2400" dirty="0" smtClean="0">
+                <a:ln>
+                  <a:solidFill>
+                    <a:schemeClr val="accent1">
+                      <a:alpha val="0"/>
+                    </a:schemeClr>
+                  </a:solidFill>
+                </a:ln>
+                <a:solidFill>
+                  <a:schemeClr val="tx1">
+                    <a:lumMod val="75000"/>
+                    <a:lumOff val="25000"/>
+                  </a:schemeClr>
+                </a:solidFill>
+                <a:latin typeface="나눔스퀘어" panose="020B0600000101010101" pitchFamily="50" charset="-127"/>
+                <a:ea typeface="나눔스퀘어" panose="020B0600000101010101" pitchFamily="50" charset="-127"/>
+              </a:rPr>
+              <a:t>웹 비즈니스</a:t>
+            </a:r>
+            <a:endParaRPr lang="en-US" altLang="ko-KR" sz="2400" dirty="0" smtClean="0">
+              <a:ln>
+                <a:solidFill>
+                  <a:schemeClr val="accent1">
+                    <a:alpha val="0"/>
+                  </a:schemeClr>
+                </a:solidFill>
+              </a:ln>
+              <a:solidFill>
+                <a:schemeClr val="tx1">
+                  <a:lumMod val="75000"/>
+                  <a:lumOff val="25000"/>
+                </a:schemeClr>
+              </a:solidFill>
+              <a:latin typeface="나눔스퀘어" panose="020B0600000101010101" pitchFamily="50" charset="-127"/>
+              <a:ea typeface="나눔스퀘어" panose="020B0600000101010101" pitchFamily="50" charset="-127"/>
+            </a:endParaRPr>
+          </a:p>
+          <a:p>
+            <a:pPr algn="ctr"/>
+            <a:r>
+              <a:rPr lang="en-US" altLang="ko-KR" sz="2400" dirty="0" smtClean="0">
+                <a:ln>
+                  <a:solidFill>
+                    <a:schemeClr val="accent1">
+                      <a:alpha val="0"/>
+                    </a:schemeClr>
+                  </a:solidFill>
+                </a:ln>
+                <a:solidFill>
+                  <a:schemeClr val="tx1">
+                    <a:lumMod val="75000"/>
+                    <a:lumOff val="25000"/>
+                  </a:schemeClr>
+                </a:solidFill>
+                <a:latin typeface="나눔스퀘어" panose="020B0600000101010101" pitchFamily="50" charset="-127"/>
+                <a:ea typeface="나눔스퀘어" panose="020B0600000101010101" pitchFamily="50" charset="-127"/>
+              </a:rPr>
+              <a:t>VR </a:t>
+            </a:r>
+            <a:r>
+              <a:rPr lang="ko-KR" altLang="en-US" sz="2400" dirty="0" smtClean="0">
+                <a:ln>
+                  <a:solidFill>
+                    <a:schemeClr val="accent1">
+                      <a:alpha val="0"/>
+                    </a:schemeClr>
+                  </a:solidFill>
+                </a:ln>
+                <a:solidFill>
+                  <a:schemeClr val="tx1">
+                    <a:lumMod val="75000"/>
+                    <a:lumOff val="25000"/>
+                  </a:schemeClr>
+                </a:solidFill>
+                <a:latin typeface="나눔스퀘어" panose="020B0600000101010101" pitchFamily="50" charset="-127"/>
+                <a:ea typeface="나눔스퀘어" panose="020B0600000101010101" pitchFamily="50" charset="-127"/>
+              </a:rPr>
+              <a:t>및 뉴미디어 기획</a:t>
+            </a:r>
+            <a:endParaRPr lang="en-US" altLang="ko-KR" sz="2400" dirty="0" smtClean="0">
+              <a:ln>
+                <a:solidFill>
+                  <a:schemeClr val="accent1">
+                    <a:alpha val="0"/>
+                  </a:schemeClr>
+                </a:solidFill>
+              </a:ln>
+              <a:solidFill>
+                <a:schemeClr val="tx1">
+                  <a:lumMod val="75000"/>
+                  <a:lumOff val="25000"/>
+                </a:schemeClr>
+              </a:solidFill>
+              <a:latin typeface="나눔스퀘어" panose="020B0600000101010101" pitchFamily="50" charset="-127"/>
+              <a:ea typeface="나눔스퀘어" panose="020B0600000101010101" pitchFamily="50" charset="-127"/>
+            </a:endParaRPr>
+          </a:p>
+        </p:txBody>
+      </p:sp>
+      <p:sp>
+        <p:nvSpPr>
+          <p:cNvPr id="4" name="TextBox 3"/>
+          <p:cNvSpPr txBox="1"/>
+          <p:nvPr/>
+        </p:nvSpPr>
+        <p:spPr>
+          <a:xfrm>
+            <a:off x="5395329" y="5045662"/>
+            <a:ext cx="1401346" cy="663258"/>
+          </a:xfrm>
+          <a:prstGeom prst="rect">
+            <a:avLst/>
+          </a:prstGeom>
+          <a:noFill/>
+        </p:spPr>
+        <p:txBody>
+          <a:bodyPr wrap="none" rtlCol="0" anchor="ctr">
+            <a:spAutoFit/>
+          </a:bodyPr>
+          <a:lstStyle/>
+          <a:p>
+            <a:pPr algn="ctr">
+              <a:lnSpc>
+                <a:spcPct val="150000"/>
+              </a:lnSpc>
+            </a:pPr>
+            <a:r>
+              <a:rPr lang="ko-KR" altLang="en-US" sz="2800" dirty="0" smtClean="0">
+                <a:ln>
+                  <a:solidFill>
+                    <a:schemeClr val="accent1">
+                      <a:alpha val="0"/>
+                    </a:schemeClr>
+                  </a:solidFill>
+                </a:ln>
+                <a:solidFill>
+                  <a:schemeClr val="tx1">
+                    <a:lumMod val="75000"/>
+                    <a:lumOff val="25000"/>
+                  </a:schemeClr>
+                </a:solidFill>
+                <a:latin typeface="나눔고딕 ExtraBold" panose="020D0904000000000000" pitchFamily="50" charset="-127"/>
+                <a:ea typeface="나눔고딕 ExtraBold" panose="020D0904000000000000" pitchFamily="50" charset="-127"/>
+              </a:rPr>
+              <a:t>백 승 찬</a:t>
+            </a:r>
+            <a:endParaRPr lang="en-US" altLang="ko-KR" sz="2800" dirty="0" smtClean="0">
+              <a:ln>
+                <a:solidFill>
+                  <a:schemeClr val="accent1">
+                    <a:alpha val="0"/>
+                  </a:schemeClr>
+                </a:solidFill>
+              </a:ln>
+              <a:solidFill>
+                <a:schemeClr val="tx1">
+                  <a:lumMod val="75000"/>
+                  <a:lumOff val="25000"/>
+                </a:schemeClr>
+              </a:solidFill>
+              <a:latin typeface="나눔고딕 ExtraBold" panose="020D0904000000000000" pitchFamily="50" charset="-127"/>
+              <a:ea typeface="나눔고딕 ExtraBold" panose="020D0904000000000000" pitchFamily="50" charset="-127"/>
+            </a:endParaRPr>
+          </a:p>
+        </p:txBody>
+      </p:sp>
     </p:spTree>
     <p:extLst>
       <p:ext uri="{BB962C8B-B14F-4D97-AF65-F5344CB8AC3E}">
@@ -3063,8 +3259,8 @@
         </p:nvSpPr>
         <p:spPr>
           <a:xfrm>
-            <a:off x="3766290" y="2787161"/>
-            <a:ext cx="4378123" cy="523220"/>
+            <a:off x="2960777" y="2787161"/>
+            <a:ext cx="5989140" cy="523220"/>
           </a:xfrm>
           <a:prstGeom prst="rect">
             <a:avLst/>
@@ -3078,6 +3274,46 @@
           <a:lstStyle/>
           <a:p>
             <a:pPr algn="ctr"/>
+            <a:r>
+              <a:rPr lang="en-US" altLang="ko-KR" sz="2800" dirty="0" smtClean="0">
+                <a:ln>
+                  <a:solidFill>
+                    <a:schemeClr val="accent1">
+                      <a:alpha val="0"/>
+                    </a:schemeClr>
+                  </a:solidFill>
+                </a:ln>
+                <a:solidFill>
+                  <a:schemeClr val="tx1">
+                    <a:lumMod val="65000"/>
+                    <a:lumOff val="35000"/>
+                  </a:schemeClr>
+                </a:solidFill>
+                <a:latin typeface="나눔스퀘어" panose="020B0600000101010101" pitchFamily="50" charset="-127"/>
+                <a:ea typeface="나눔스퀘어" panose="020B0600000101010101" pitchFamily="50" charset="-127"/>
+              </a:rPr>
+              <a:t>KT 5G </a:t>
+            </a:r>
+            <a:r>
+              <a:rPr lang="ko-KR" altLang="en-US" sz="2800" dirty="0" err="1" smtClean="0">
+                <a:ln>
+                  <a:solidFill>
+                    <a:schemeClr val="accent1">
+                      <a:alpha val="0"/>
+                    </a:schemeClr>
+                  </a:solidFill>
+                </a:ln>
+                <a:solidFill>
+                  <a:schemeClr val="tx1">
+                    <a:lumMod val="65000"/>
+                    <a:lumOff val="35000"/>
+                  </a:schemeClr>
+                </a:solidFill>
+                <a:latin typeface="나눔스퀘어" panose="020B0600000101010101" pitchFamily="50" charset="-127"/>
+                <a:ea typeface="나눔스퀘어" panose="020B0600000101010101" pitchFamily="50" charset="-127"/>
+              </a:rPr>
+              <a:t>미디어데이</a:t>
+            </a:r>
             <a:r>
               <a:rPr lang="ko-KR" altLang="en-US" sz="2800" dirty="0" smtClean="0">
                 <a:ln>
@@ -3096,7 +3332,47 @@
                 <a:latin typeface="나눔스퀘어" panose="020B0600000101010101" pitchFamily="50" charset="-127"/>
                 <a:ea typeface="나눔스퀘어" panose="020B0600000101010101" pitchFamily="50" charset="-127"/>
               </a:rPr>
-              <a:t>새로움으로 가득 찬 프로젝트</a:t>
+              <a:t> 행사 </a:t>
+            </a:r>
+            <a:r>
+              <a:rPr lang="en-US" altLang="ko-KR" sz="2800" dirty="0" smtClean="0">
+                <a:ln>
+                  <a:solidFill>
+                    <a:schemeClr val="accent1">
+                      <a:alpha val="0"/>
+                    </a:schemeClr>
+                  </a:solidFill>
+                </a:ln>
+                <a:solidFill>
+                  <a:schemeClr val="tx1">
+                    <a:lumMod val="65000"/>
+                    <a:lumOff val="35000"/>
+                  </a:schemeClr>
+                </a:solidFill>
+                <a:latin typeface="나눔스퀘어" panose="020B0600000101010101" pitchFamily="50" charset="-127"/>
+                <a:ea typeface="나눔스퀘어" panose="020B0600000101010101" pitchFamily="50" charset="-127"/>
+              </a:rPr>
+              <a:t>VR </a:t>
+            </a:r>
+            <a:r>
+              <a:rPr lang="ko-KR" altLang="en-US" sz="2800" dirty="0" smtClean="0">
+                <a:ln>
+                  <a:solidFill>
+                    <a:schemeClr val="accent1">
+                      <a:alpha val="0"/>
+                    </a:schemeClr>
+                  </a:solidFill>
+                </a:ln>
+                <a:solidFill>
+                  <a:schemeClr val="tx1">
+                    <a:lumMod val="65000"/>
+                    <a:lumOff val="35000"/>
+                  </a:schemeClr>
+                </a:solidFill>
+                <a:latin typeface="나눔스퀘어" panose="020B0600000101010101" pitchFamily="50" charset="-127"/>
+                <a:ea typeface="나눔스퀘어" panose="020B0600000101010101" pitchFamily="50" charset="-127"/>
+              </a:rPr>
+              <a:t>콘텐츠 제작</a:t>
             </a:r>
             <a:endParaRPr lang="ko-KR" altLang="en-US" sz="2800" dirty="0">
               <a:ln>
@@ -3121,7 +3397,7 @@
     </p:spTree>
     <p:extLst>
       <p:ext uri="{BB962C8B-B14F-4D97-AF65-F5344CB8AC3E}">
-        <p14:creationId xmlns:p14="http://schemas.microsoft.com/office/powerpoint/2010/main" val="945163193"/>
+        <p14:creationId xmlns:p14="http://schemas.microsoft.com/office/powerpoint/2010/main" val="4099421044"/>
       </p:ext>
     </p:extLst>
   </p:cSld>
@@ -3163,8 +3439,8 @@
         </p:nvSpPr>
         <p:spPr>
           <a:xfrm>
-            <a:off x="2217588" y="2831122"/>
-            <a:ext cx="635110" cy="523220"/>
+            <a:off x="5365890" y="2787161"/>
+            <a:ext cx="1178913" cy="523220"/>
           </a:xfrm>
           <a:prstGeom prst="rect">
             <a:avLst/>
@@ -3196,7 +3472,7 @@
                 <a:latin typeface="나눔스퀘어" panose="020B0600000101010101" pitchFamily="50" charset="-127"/>
                 <a:ea typeface="나눔스퀘어" panose="020B0600000101010101" pitchFamily="50" charset="-127"/>
               </a:rPr>
-              <a:t>5G</a:t>
+              <a:t>WHY?</a:t>
             </a:r>
             <a:endParaRPr lang="ko-KR" altLang="en-US" sz="2800" dirty="0">
               <a:ln>
@@ -3218,136 +3494,10 @@
           </a:p>
         </p:txBody>
       </p:sp>
-      <p:sp>
-        <p:nvSpPr>
-          <p:cNvPr id="3" name="TextBox 2"/>
-          <p:cNvSpPr txBox="1"/>
-          <p:nvPr/>
-        </p:nvSpPr>
-        <p:spPr>
-          <a:xfrm>
-            <a:off x="5767275" y="2831122"/>
-            <a:ext cx="639920" cy="523220"/>
-          </a:xfrm>
-          <a:prstGeom prst="rect">
-            <a:avLst/>
-          </a:prstGeom>
-          <a:noFill/>
-        </p:spPr>
-        <p:txBody>
-          <a:bodyPr wrap="none" rtlCol="0" anchor="ctr">
-            <a:spAutoFit/>
-          </a:bodyPr>
-          <a:lstStyle/>
-          <a:p>
-            <a:pPr algn="ctr"/>
-            <a:r>
-              <a:rPr lang="en-US" altLang="ko-KR" sz="2800" dirty="0" smtClean="0">
-                <a:ln>
-                  <a:solidFill>
-                    <a:schemeClr val="accent1">
-                      <a:alpha val="0"/>
-                    </a:schemeClr>
-                  </a:solidFill>
-                </a:ln>
-                <a:solidFill>
-                  <a:schemeClr val="tx1">
-                    <a:lumMod val="65000"/>
-                    <a:lumOff val="35000"/>
-                  </a:schemeClr>
-                </a:solidFill>
-                <a:latin typeface="나눔스퀘어" panose="020B0600000101010101" pitchFamily="50" charset="-127"/>
-                <a:ea typeface="나눔스퀘어" panose="020B0600000101010101" pitchFamily="50" charset="-127"/>
-              </a:rPr>
-              <a:t>VR</a:t>
-            </a:r>
-            <a:endParaRPr lang="ko-KR" altLang="en-US" sz="2800" dirty="0">
-              <a:ln>
-                <a:solidFill>
-                  <a:schemeClr val="accent1">
-                    <a:alpha val="0"/>
-                  </a:schemeClr>
-                </a:solidFill>
-              </a:ln>
-              <a:solidFill>
-                <a:schemeClr val="tx1">
-                  <a:lumMod val="65000"/>
-                  <a:lumOff val="35000"/>
-                </a:schemeClr>
-              </a:solidFill>
-              <a:latin typeface="나눔스퀘어" panose="020B0600000101010101" pitchFamily="50" charset="-127"/>
-              <a:ea typeface="나눔스퀘어" panose="020B0600000101010101" pitchFamily="50" charset="-127"/>
-            </a:endParaRPr>
-          </a:p>
-        </p:txBody>
-      </p:sp>
-      <p:sp>
-        <p:nvSpPr>
-          <p:cNvPr id="4" name="TextBox 3"/>
-          <p:cNvSpPr txBox="1"/>
-          <p:nvPr/>
-        </p:nvSpPr>
-        <p:spPr>
-          <a:xfrm>
-            <a:off x="8549426" y="2831122"/>
-            <a:ext cx="1705019" cy="523220"/>
-          </a:xfrm>
-          <a:prstGeom prst="rect">
-            <a:avLst/>
-          </a:prstGeom>
-          <a:noFill/>
-        </p:spPr>
-        <p:txBody>
-          <a:bodyPr wrap="none" rtlCol="0" anchor="ctr">
-            <a:spAutoFit/>
-          </a:bodyPr>
-          <a:lstStyle/>
-          <a:p>
-            <a:pPr algn="ctr"/>
-            <a:r>
-              <a:rPr lang="en-US" altLang="ko-KR" sz="2800" dirty="0" err="1" smtClean="0">
-                <a:ln>
-                  <a:solidFill>
-                    <a:schemeClr val="accent1">
-                      <a:alpha val="0"/>
-                    </a:schemeClr>
-                  </a:solidFill>
-                </a:ln>
-                <a:solidFill>
-                  <a:schemeClr val="tx1">
-                    <a:lumMod val="65000"/>
-                    <a:lumOff val="35000"/>
-                  </a:schemeClr>
-                </a:solidFill>
-                <a:latin typeface="나눔스퀘어" panose="020B0600000101010101" pitchFamily="50" charset="-127"/>
-                <a:ea typeface="나눔스퀘어" panose="020B0600000101010101" pitchFamily="50" charset="-127"/>
-              </a:rPr>
-              <a:t>Optitrack</a:t>
-            </a:r>
-            <a:endParaRPr lang="ko-KR" altLang="en-US" sz="2800" dirty="0">
-              <a:ln>
-                <a:solidFill>
-                  <a:schemeClr val="accent1">
-                    <a:alpha val="0"/>
-                  </a:schemeClr>
-                </a:solidFill>
-              </a:ln>
-              <a:solidFill>
-                <a:schemeClr val="tx1">
-                  <a:lumMod val="65000"/>
-                  <a:lumOff val="35000"/>
-                </a:schemeClr>
-              </a:solidFill>
-              <a:latin typeface="나눔스퀘어" panose="020B0600000101010101" pitchFamily="50" charset="-127"/>
-              <a:ea typeface="나눔스퀘어" panose="020B0600000101010101" pitchFamily="50" charset="-127"/>
-            </a:endParaRPr>
-          </a:p>
-        </p:txBody>
-      </p:sp>
     </p:spTree>
     <p:extLst>
       <p:ext uri="{BB962C8B-B14F-4D97-AF65-F5344CB8AC3E}">
-        <p14:creationId xmlns:p14="http://schemas.microsoft.com/office/powerpoint/2010/main" val="1601082635"/>
+        <p14:creationId xmlns:p14="http://schemas.microsoft.com/office/powerpoint/2010/main" val="1026166836"/>
       </p:ext>
     </p:extLst>
   </p:cSld>
@@ -3383,14 +3533,14 @@
       </p:grpSpPr>
       <p:sp>
         <p:nvSpPr>
-          <p:cNvPr id="4" name="TextBox 3"/>
+          <p:cNvPr id="6" name="TextBox 5"/>
           <p:cNvSpPr txBox="1"/>
           <p:nvPr/>
         </p:nvSpPr>
         <p:spPr>
           <a:xfrm>
-            <a:off x="4296450" y="3086099"/>
-            <a:ext cx="3634328" cy="523220"/>
+            <a:off x="3766290" y="2787161"/>
+            <a:ext cx="4378123" cy="523220"/>
           </a:xfrm>
           <a:prstGeom prst="rect">
             <a:avLst/>
@@ -3422,7 +3572,7 @@
                 <a:latin typeface="나눔스퀘어" panose="020B0600000101010101" pitchFamily="50" charset="-127"/>
                 <a:ea typeface="나눔스퀘어" panose="020B0600000101010101" pitchFamily="50" charset="-127"/>
               </a:rPr>
-              <a:t>기획부터 개발 운영까지</a:t>
+              <a:t>새로움으로 가득 찬 프로젝트</a:t>
             </a:r>
             <a:endParaRPr lang="ko-KR" altLang="en-US" sz="2800" dirty="0">
               <a:ln>
@@ -3447,7 +3597,7 @@
     </p:spTree>
     <p:extLst>
       <p:ext uri="{BB962C8B-B14F-4D97-AF65-F5344CB8AC3E}">
-        <p14:creationId xmlns:p14="http://schemas.microsoft.com/office/powerpoint/2010/main" val="1357242402"/>
+        <p14:creationId xmlns:p14="http://schemas.microsoft.com/office/powerpoint/2010/main" val="945163193"/>
       </p:ext>
     </p:extLst>
   </p:cSld>
@@ -3489,8 +3639,8 @@
         </p:nvSpPr>
         <p:spPr>
           <a:xfrm>
-            <a:off x="1929463" y="1811214"/>
-            <a:ext cx="1492716" cy="523220"/>
+            <a:off x="2217588" y="2831122"/>
+            <a:ext cx="635110" cy="523220"/>
           </a:xfrm>
           <a:prstGeom prst="rect">
             <a:avLst/>
@@ -3505,7 +3655,7 @@
           <a:p>
             <a:pPr algn="ctr"/>
             <a:r>
-              <a:rPr lang="ko-KR" altLang="en-US" sz="2800" dirty="0" err="1" smtClean="0">
+              <a:rPr lang="en-US" altLang="ko-KR" sz="2800" dirty="0" smtClean="0">
                 <a:ln>
                   <a:solidFill>
                     <a:schemeClr val="accent1">
@@ -3522,7 +3672,7 @@
                 <a:latin typeface="나눔스퀘어" panose="020B0600000101010101" pitchFamily="50" charset="-127"/>
                 <a:ea typeface="나눔스퀘어" panose="020B0600000101010101" pitchFamily="50" charset="-127"/>
               </a:rPr>
-              <a:t>동선기획</a:t>
+              <a:t>5G</a:t>
             </a:r>
             <a:endParaRPr lang="ko-KR" altLang="en-US" sz="2800" dirty="0">
               <a:ln>
@@ -3544,10 +3694,136 @@
           </a:p>
         </p:txBody>
       </p:sp>
+      <p:sp>
+        <p:nvSpPr>
+          <p:cNvPr id="3" name="TextBox 2"/>
+          <p:cNvSpPr txBox="1"/>
+          <p:nvPr/>
+        </p:nvSpPr>
+        <p:spPr>
+          <a:xfrm>
+            <a:off x="5767275" y="2831122"/>
+            <a:ext cx="639920" cy="523220"/>
+          </a:xfrm>
+          <a:prstGeom prst="rect">
+            <a:avLst/>
+          </a:prstGeom>
+          <a:noFill/>
+        </p:spPr>
+        <p:txBody>
+          <a:bodyPr wrap="none" rtlCol="0" anchor="ctr">
+            <a:spAutoFit/>
+          </a:bodyPr>
+          <a:lstStyle/>
+          <a:p>
+            <a:pPr algn="ctr"/>
+            <a:r>
+              <a:rPr lang="en-US" altLang="ko-KR" sz="2800" dirty="0" smtClean="0">
+                <a:ln>
+                  <a:solidFill>
+                    <a:schemeClr val="accent1">
+                      <a:alpha val="0"/>
+                    </a:schemeClr>
+                  </a:solidFill>
+                </a:ln>
+                <a:solidFill>
+                  <a:schemeClr val="tx1">
+                    <a:lumMod val="65000"/>
+                    <a:lumOff val="35000"/>
+                  </a:schemeClr>
+                </a:solidFill>
+                <a:latin typeface="나눔스퀘어" panose="020B0600000101010101" pitchFamily="50" charset="-127"/>
+                <a:ea typeface="나눔스퀘어" panose="020B0600000101010101" pitchFamily="50" charset="-127"/>
+              </a:rPr>
+              <a:t>VR</a:t>
+            </a:r>
+            <a:endParaRPr lang="ko-KR" altLang="en-US" sz="2800" dirty="0">
+              <a:ln>
+                <a:solidFill>
+                  <a:schemeClr val="accent1">
+                    <a:alpha val="0"/>
+                  </a:schemeClr>
+                </a:solidFill>
+              </a:ln>
+              <a:solidFill>
+                <a:schemeClr val="tx1">
+                  <a:lumMod val="65000"/>
+                  <a:lumOff val="35000"/>
+                </a:schemeClr>
+              </a:solidFill>
+              <a:latin typeface="나눔스퀘어" panose="020B0600000101010101" pitchFamily="50" charset="-127"/>
+              <a:ea typeface="나눔스퀘어" panose="020B0600000101010101" pitchFamily="50" charset="-127"/>
+            </a:endParaRPr>
+          </a:p>
+        </p:txBody>
+      </p:sp>
+      <p:sp>
+        <p:nvSpPr>
+          <p:cNvPr id="4" name="TextBox 3"/>
+          <p:cNvSpPr txBox="1"/>
+          <p:nvPr/>
+        </p:nvSpPr>
+        <p:spPr>
+          <a:xfrm>
+            <a:off x="8549426" y="2831122"/>
+            <a:ext cx="1705019" cy="523220"/>
+          </a:xfrm>
+          <a:prstGeom prst="rect">
+            <a:avLst/>
+          </a:prstGeom>
+          <a:noFill/>
+        </p:spPr>
+        <p:txBody>
+          <a:bodyPr wrap="none" rtlCol="0" anchor="ctr">
+            <a:spAutoFit/>
+          </a:bodyPr>
+          <a:lstStyle/>
+          <a:p>
+            <a:pPr algn="ctr"/>
+            <a:r>
+              <a:rPr lang="en-US" altLang="ko-KR" sz="2800" dirty="0" err="1" smtClean="0">
+                <a:ln>
+                  <a:solidFill>
+                    <a:schemeClr val="accent1">
+                      <a:alpha val="0"/>
+                    </a:schemeClr>
+                  </a:solidFill>
+                </a:ln>
+                <a:solidFill>
+                  <a:schemeClr val="tx1">
+                    <a:lumMod val="65000"/>
+                    <a:lumOff val="35000"/>
+                  </a:schemeClr>
+                </a:solidFill>
+                <a:latin typeface="나눔스퀘어" panose="020B0600000101010101" pitchFamily="50" charset="-127"/>
+                <a:ea typeface="나눔스퀘어" panose="020B0600000101010101" pitchFamily="50" charset="-127"/>
+              </a:rPr>
+              <a:t>Optitrack</a:t>
+            </a:r>
+            <a:endParaRPr lang="ko-KR" altLang="en-US" sz="2800" dirty="0">
+              <a:ln>
+                <a:solidFill>
+                  <a:schemeClr val="accent1">
+                    <a:alpha val="0"/>
+                  </a:schemeClr>
+                </a:solidFill>
+              </a:ln>
+              <a:solidFill>
+                <a:schemeClr val="tx1">
+                  <a:lumMod val="65000"/>
+                  <a:lumOff val="35000"/>
+                </a:schemeClr>
+              </a:solidFill>
+              <a:latin typeface="나눔스퀘어" panose="020B0600000101010101" pitchFamily="50" charset="-127"/>
+              <a:ea typeface="나눔스퀘어" panose="020B0600000101010101" pitchFamily="50" charset="-127"/>
+            </a:endParaRPr>
+          </a:p>
+        </p:txBody>
+      </p:sp>
     </p:spTree>
     <p:extLst>
       <p:ext uri="{BB962C8B-B14F-4D97-AF65-F5344CB8AC3E}">
-        <p14:creationId xmlns:p14="http://schemas.microsoft.com/office/powerpoint/2010/main" val="3102492843"/>
+        <p14:creationId xmlns:p14="http://schemas.microsoft.com/office/powerpoint/2010/main" val="1601082635"/>
       </p:ext>
     </p:extLst>
   </p:cSld>
@@ -3583,14 +3859,14 @@
       </p:grpSpPr>
       <p:sp>
         <p:nvSpPr>
-          <p:cNvPr id="6" name="TextBox 5"/>
+          <p:cNvPr id="4" name="TextBox 3"/>
           <p:cNvSpPr txBox="1"/>
           <p:nvPr/>
         </p:nvSpPr>
         <p:spPr>
           <a:xfrm>
-            <a:off x="1394060" y="1811214"/>
-            <a:ext cx="2563523" cy="523220"/>
+            <a:off x="4296450" y="3086099"/>
+            <a:ext cx="3634328" cy="523220"/>
           </a:xfrm>
           <a:prstGeom prst="rect">
             <a:avLst/>
@@ -3622,27 +3898,7 @@
                 <a:latin typeface="나눔스퀘어" panose="020B0600000101010101" pitchFamily="50" charset="-127"/>
                 <a:ea typeface="나눔스퀘어" panose="020B0600000101010101" pitchFamily="50" charset="-127"/>
               </a:rPr>
-              <a:t>체험공간 모델</a:t>
-            </a:r>
-            <a:r>
-              <a:rPr lang="ko-KR" altLang="en-US" sz="2800" dirty="0" smtClean="0">
-                <a:ln>
-                  <a:solidFill>
-                    <a:schemeClr val="accent1">
-                      <a:alpha val="0"/>
-                    </a:schemeClr>
-                  </a:solidFill>
-                </a:ln>
-                <a:solidFill>
-                  <a:schemeClr val="tx1">
-                    <a:lumMod val="65000"/>
-                    <a:lumOff val="35000"/>
-                  </a:schemeClr>
-                </a:solidFill>
-                <a:latin typeface="나눔스퀘어" panose="020B0600000101010101" pitchFamily="50" charset="-127"/>
-                <a:ea typeface="나눔스퀘어" panose="020B0600000101010101" pitchFamily="50" charset="-127"/>
-              </a:rPr>
-              <a:t>링</a:t>
+              <a:t>기획부터 개발 운영까지</a:t>
             </a:r>
             <a:endParaRPr lang="ko-KR" altLang="en-US" sz="2800" dirty="0">
               <a:ln>
@@ -3667,7 +3923,7 @@
     </p:spTree>
     <p:extLst>
       <p:ext uri="{BB962C8B-B14F-4D97-AF65-F5344CB8AC3E}">
-        <p14:creationId xmlns:p14="http://schemas.microsoft.com/office/powerpoint/2010/main" val="941247773"/>
+        <p14:creationId xmlns:p14="http://schemas.microsoft.com/office/powerpoint/2010/main" val="1357242402"/>
       </p:ext>
     </p:extLst>
   </p:cSld>
@@ -3709,8 +3965,8 @@
         </p:nvSpPr>
         <p:spPr>
           <a:xfrm>
-            <a:off x="1321110" y="1512275"/>
-            <a:ext cx="4467891" cy="523220"/>
+            <a:off x="1929463" y="1811214"/>
+            <a:ext cx="1492716" cy="523220"/>
           </a:xfrm>
           <a:prstGeom prst="rect">
             <a:avLst/>
@@ -3725,7 +3981,7 @@
           <a:p>
             <a:pPr algn="ctr"/>
             <a:r>
-              <a:rPr lang="ko-KR" altLang="en-US" sz="2800" dirty="0" smtClean="0">
+              <a:rPr lang="ko-KR" altLang="en-US" sz="2800" dirty="0" err="1" smtClean="0">
                 <a:ln>
                   <a:solidFill>
                     <a:schemeClr val="accent1">
@@ -3742,27 +3998,7 @@
                 <a:latin typeface="나눔스퀘어" panose="020B0600000101010101" pitchFamily="50" charset="-127"/>
                 <a:ea typeface="나눔스퀘어" panose="020B0600000101010101" pitchFamily="50" charset="-127"/>
               </a:rPr>
-              <a:t>이펙트 제작 </a:t>
-            </a:r>
-            <a:r>
-              <a:rPr lang="ko-KR" altLang="en-US" sz="2800" dirty="0" smtClean="0">
-                <a:ln>
-                  <a:solidFill>
-                    <a:schemeClr val="accent1">
-                      <a:alpha val="0"/>
-                    </a:schemeClr>
-                  </a:solidFill>
-                </a:ln>
-                <a:solidFill>
-                  <a:schemeClr val="tx1">
-                    <a:lumMod val="65000"/>
-                    <a:lumOff val="35000"/>
-                  </a:schemeClr>
-                </a:solidFill>
-                <a:latin typeface="나눔스퀘어" panose="020B0600000101010101" pitchFamily="50" charset="-127"/>
-                <a:ea typeface="나눔스퀘어" panose="020B0600000101010101" pitchFamily="50" charset="-127"/>
-              </a:rPr>
-              <a:t>및 콘텐츠 최적화</a:t>
+              <a:t>동선기획</a:t>
             </a:r>
             <a:endParaRPr lang="ko-KR" altLang="en-US" sz="2800" dirty="0">
               <a:ln>
@@ -3787,7 +4023,7 @@
     </p:spTree>
     <p:extLst>
       <p:ext uri="{BB962C8B-B14F-4D97-AF65-F5344CB8AC3E}">
-        <p14:creationId xmlns:p14="http://schemas.microsoft.com/office/powerpoint/2010/main" val="471670266"/>
+        <p14:creationId xmlns:p14="http://schemas.microsoft.com/office/powerpoint/2010/main" val="3102492843"/>
       </p:ext>
     </p:extLst>
   </p:cSld>
@@ -3829,6 +4065,206 @@
         </p:nvSpPr>
         <p:spPr>
           <a:xfrm>
+            <a:off x="1394060" y="1811214"/>
+            <a:ext cx="2563523" cy="523220"/>
+          </a:xfrm>
+          <a:prstGeom prst="rect">
+            <a:avLst/>
+          </a:prstGeom>
+          <a:noFill/>
+        </p:spPr>
+        <p:txBody>
+          <a:bodyPr wrap="none" rtlCol="0" anchor="ctr">
+            <a:spAutoFit/>
+          </a:bodyPr>
+          <a:lstStyle/>
+          <a:p>
+            <a:pPr algn="ctr"/>
+            <a:r>
+              <a:rPr lang="ko-KR" altLang="en-US" sz="2800" dirty="0" smtClean="0">
+                <a:ln>
+                  <a:solidFill>
+                    <a:schemeClr val="accent1">
+                      <a:alpha val="0"/>
+                    </a:schemeClr>
+                  </a:solidFill>
+                </a:ln>
+                <a:solidFill>
+                  <a:schemeClr val="tx1">
+                    <a:lumMod val="65000"/>
+                    <a:lumOff val="35000"/>
+                  </a:schemeClr>
+                </a:solidFill>
+                <a:latin typeface="나눔스퀘어" panose="020B0600000101010101" pitchFamily="50" charset="-127"/>
+                <a:ea typeface="나눔스퀘어" panose="020B0600000101010101" pitchFamily="50" charset="-127"/>
+              </a:rPr>
+              <a:t>체험공간 모델링</a:t>
+            </a:r>
+            <a:endParaRPr lang="ko-KR" altLang="en-US" sz="2800" dirty="0">
+              <a:ln>
+                <a:solidFill>
+                  <a:schemeClr val="accent1">
+                    <a:alpha val="0"/>
+                  </a:schemeClr>
+                </a:solidFill>
+              </a:ln>
+              <a:solidFill>
+                <a:schemeClr val="tx1">
+                  <a:lumMod val="65000"/>
+                  <a:lumOff val="35000"/>
+                </a:schemeClr>
+              </a:solidFill>
+              <a:latin typeface="나눔스퀘어" panose="020B0600000101010101" pitchFamily="50" charset="-127"/>
+              <a:ea typeface="나눔스퀘어" panose="020B0600000101010101" pitchFamily="50" charset="-127"/>
+            </a:endParaRPr>
+          </a:p>
+        </p:txBody>
+      </p:sp>
+    </p:spTree>
+    <p:extLst>
+      <p:ext uri="{BB962C8B-B14F-4D97-AF65-F5344CB8AC3E}">
+        <p14:creationId xmlns:p14="http://schemas.microsoft.com/office/powerpoint/2010/main" val="941247773"/>
+      </p:ext>
+    </p:extLst>
+  </p:cSld>
+  <p:clrMapOvr>
+    <a:masterClrMapping/>
+  </p:clrMapOvr>
+  <p:timing>
+    <p:tnLst>
+      <p:par>
+        <p:cTn id="1" dur="indefinite" restart="never" nodeType="tmRoot"/>
+      </p:par>
+    </p:tnLst>
+  </p:timing>
+</p:sld>
+</file>
+
+<file path=ppt/slides/slide17.xml><?xml version="1.0" encoding="utf-8"?>
+<p:sld xmlns:a="http://schemas.openxmlformats.org/drawingml/2006/main" xmlns:r="http://schemas.openxmlformats.org/officeDocument/2006/relationships" xmlns:p="http://schemas.openxmlformats.org/presentationml/2006/main">
+  <p:cSld>
+    <p:spTree>
+      <p:nvGrpSpPr>
+        <p:cNvPr id="1" name=""/>
+        <p:cNvGrpSpPr/>
+        <p:nvPr/>
+      </p:nvGrpSpPr>
+      <p:grpSpPr>
+        <a:xfrm>
+          <a:off x="0" y="0"/>
+          <a:ext cx="0" cy="0"/>
+          <a:chOff x="0" y="0"/>
+          <a:chExt cx="0" cy="0"/>
+        </a:xfrm>
+      </p:grpSpPr>
+      <p:sp>
+        <p:nvSpPr>
+          <p:cNvPr id="6" name="TextBox 5"/>
+          <p:cNvSpPr txBox="1"/>
+          <p:nvPr/>
+        </p:nvSpPr>
+        <p:spPr>
+          <a:xfrm>
+            <a:off x="1321110" y="1512275"/>
+            <a:ext cx="4467891" cy="523220"/>
+          </a:xfrm>
+          <a:prstGeom prst="rect">
+            <a:avLst/>
+          </a:prstGeom>
+          <a:noFill/>
+        </p:spPr>
+        <p:txBody>
+          <a:bodyPr wrap="none" rtlCol="0" anchor="ctr">
+            <a:spAutoFit/>
+          </a:bodyPr>
+          <a:lstStyle/>
+          <a:p>
+            <a:pPr algn="ctr"/>
+            <a:r>
+              <a:rPr lang="ko-KR" altLang="en-US" sz="2800" dirty="0" smtClean="0">
+                <a:ln>
+                  <a:solidFill>
+                    <a:schemeClr val="accent1">
+                      <a:alpha val="0"/>
+                    </a:schemeClr>
+                  </a:solidFill>
+                </a:ln>
+                <a:solidFill>
+                  <a:schemeClr val="tx1">
+                    <a:lumMod val="65000"/>
+                    <a:lumOff val="35000"/>
+                  </a:schemeClr>
+                </a:solidFill>
+                <a:latin typeface="나눔스퀘어" panose="020B0600000101010101" pitchFamily="50" charset="-127"/>
+                <a:ea typeface="나눔스퀘어" panose="020B0600000101010101" pitchFamily="50" charset="-127"/>
+              </a:rPr>
+              <a:t>이펙트 제작 및 콘텐츠 최적화</a:t>
+            </a:r>
+            <a:endParaRPr lang="ko-KR" altLang="en-US" sz="2800" dirty="0">
+              <a:ln>
+                <a:solidFill>
+                  <a:schemeClr val="accent1">
+                    <a:alpha val="0"/>
+                  </a:schemeClr>
+                </a:solidFill>
+              </a:ln>
+              <a:solidFill>
+                <a:schemeClr val="tx1">
+                  <a:lumMod val="65000"/>
+                  <a:lumOff val="35000"/>
+                </a:schemeClr>
+              </a:solidFill>
+              <a:latin typeface="나눔스퀘어" panose="020B0600000101010101" pitchFamily="50" charset="-127"/>
+              <a:ea typeface="나눔스퀘어" panose="020B0600000101010101" pitchFamily="50" charset="-127"/>
+            </a:endParaRPr>
+          </a:p>
+        </p:txBody>
+      </p:sp>
+    </p:spTree>
+    <p:extLst>
+      <p:ext uri="{BB962C8B-B14F-4D97-AF65-F5344CB8AC3E}">
+        <p14:creationId xmlns:p14="http://schemas.microsoft.com/office/powerpoint/2010/main" val="471670266"/>
+      </p:ext>
+    </p:extLst>
+  </p:cSld>
+  <p:clrMapOvr>
+    <a:masterClrMapping/>
+  </p:clrMapOvr>
+  <p:timing>
+    <p:tnLst>
+      <p:par>
+        <p:cTn id="1" dur="indefinite" restart="never" nodeType="tmRoot"/>
+      </p:par>
+    </p:tnLst>
+  </p:timing>
+</p:sld>
+</file>
+
+<file path=ppt/slides/slide18.xml><?xml version="1.0" encoding="utf-8"?>
+<p:sld xmlns:a="http://schemas.openxmlformats.org/drawingml/2006/main" xmlns:r="http://schemas.openxmlformats.org/officeDocument/2006/relationships" xmlns:p="http://schemas.openxmlformats.org/presentationml/2006/main">
+  <p:cSld>
+    <p:spTree>
+      <p:nvGrpSpPr>
+        <p:cNvPr id="1" name=""/>
+        <p:cNvGrpSpPr/>
+        <p:nvPr/>
+      </p:nvGrpSpPr>
+      <p:grpSpPr>
+        <a:xfrm>
+          <a:off x="0" y="0"/>
+          <a:ext cx="0" cy="0"/>
+          <a:chOff x="0" y="0"/>
+          <a:chExt cx="0" cy="0"/>
+        </a:xfrm>
+      </p:grpSpPr>
+      <p:sp>
+        <p:nvSpPr>
+          <p:cNvPr id="6" name="TextBox 5"/>
+          <p:cNvSpPr txBox="1"/>
+          <p:nvPr/>
+        </p:nvSpPr>
+        <p:spPr>
+          <a:xfrm>
             <a:off x="1792343" y="1301259"/>
             <a:ext cx="2980303" cy="523220"/>
           </a:xfrm>
@@ -3862,27 +4298,7 @@
                 <a:latin typeface="나눔스퀘어" panose="020B0600000101010101" pitchFamily="50" charset="-127"/>
                 <a:ea typeface="나눔스퀘어" panose="020B0600000101010101" pitchFamily="50" charset="-127"/>
               </a:rPr>
-              <a:t>현장에서 작업 </a:t>
-            </a:r>
-            <a:r>
-              <a:rPr lang="ko-KR" altLang="en-US" sz="2800" dirty="0" smtClean="0">
-                <a:ln>
-                  <a:solidFill>
-                    <a:schemeClr val="accent1">
-                      <a:alpha val="0"/>
-                    </a:schemeClr>
-                  </a:solidFill>
-                </a:ln>
-                <a:solidFill>
-                  <a:schemeClr val="tx1">
-                    <a:lumMod val="65000"/>
-                    <a:lumOff val="35000"/>
-                  </a:schemeClr>
-                </a:solidFill>
-                <a:latin typeface="나눔스퀘어" panose="020B0600000101010101" pitchFamily="50" charset="-127"/>
-                <a:ea typeface="나눔스퀘어" panose="020B0600000101010101" pitchFamily="50" charset="-127"/>
-              </a:rPr>
-              <a:t>진행</a:t>
+              <a:t>현장에서 작업 진행</a:t>
             </a:r>
             <a:endParaRPr lang="ko-KR" altLang="en-US" sz="2800" dirty="0">
               <a:ln>
@@ -3949,7 +4365,7 @@
         </p:nvSpPr>
         <p:spPr>
           <a:xfrm>
-            <a:off x="4560964" y="3167390"/>
+            <a:off x="4560965" y="3167390"/>
             <a:ext cx="3070071" cy="523220"/>
           </a:xfrm>
           <a:prstGeom prst="rect">
@@ -4041,6 +4457,54 @@
           <a:chExt cx="0" cy="0"/>
         </a:xfrm>
       </p:grpSpPr>
+      <p:pic>
+        <p:nvPicPr>
+          <p:cNvPr id="2050" name="Picture 2" descr="관련 이미지"/>
+          <p:cNvPicPr>
+            <a:picLocks noChangeAspect="1" noChangeArrowheads="1"/>
+          </p:cNvPicPr>
+          <p:nvPr/>
+        </p:nvPicPr>
+        <p:blipFill rotWithShape="1">
+          <a:blip r:embed="rId2">
+            <a:extLst>
+              <a:ext uri="{BEBA8EAE-BF5A-486C-A8C5-ECC9F3942E4B}">
+                <a14:imgProps xmlns:a14="http://schemas.microsoft.com/office/drawing/2010/main">
+                  <a14:imgLayer r:embed="rId3">
+                    <a14:imgEffect>
+                      <a14:backgroundRemoval t="0" b="100000" l="0" r="100000"/>
+                    </a14:imgEffect>
+                  </a14:imgLayer>
+                </a14:imgProps>
+              </a:ext>
+              <a:ext uri="{28A0092B-C50C-407E-A947-70E740481C1C}">
+                <a14:useLocalDpi xmlns:a14="http://schemas.microsoft.com/office/drawing/2010/main" val="0"/>
+              </a:ext>
+            </a:extLst>
+          </a:blip>
+          <a:srcRect b="31450"/>
+          <a:stretch/>
+        </p:blipFill>
+        <p:spPr bwMode="auto">
+          <a:xfrm>
+            <a:off x="918557" y="2129029"/>
+            <a:ext cx="10354886" cy="4728971"/>
+          </a:xfrm>
+          <a:prstGeom prst="rect">
+            <a:avLst/>
+          </a:prstGeom>
+          <a:noFill/>
+          <a:extLst>
+            <a:ext uri="{909E8E84-426E-40DD-AFC4-6F175D3DCCD1}">
+              <a14:hiddenFill xmlns:a14="http://schemas.microsoft.com/office/drawing/2010/main">
+                <a:solidFill>
+                  <a:srgbClr val="FFFFFF"/>
+                </a:solidFill>
+              </a14:hiddenFill>
+            </a:ext>
+          </a:extLst>
+        </p:spPr>
+      </p:pic>
       <p:sp>
         <p:nvSpPr>
           <p:cNvPr id="3" name="TextBox 2"/>
@@ -4049,8 +4513,8 @@
         </p:nvSpPr>
         <p:spPr>
           <a:xfrm>
-            <a:off x="3208035" y="3167390"/>
-            <a:ext cx="5775941" cy="523220"/>
+            <a:off x="3163947" y="1867419"/>
+            <a:ext cx="5864106" cy="523220"/>
           </a:xfrm>
           <a:prstGeom prst="rect">
             <a:avLst/>
@@ -4082,7 +4546,47 @@
                 <a:latin typeface="나눔스퀘어" panose="020B0600000101010101" pitchFamily="50" charset="-127"/>
                 <a:ea typeface="나눔스퀘어" panose="020B0600000101010101" pitchFamily="50" charset="-127"/>
               </a:rPr>
-              <a:t>어려서부터 새것을 많이 좋아했던 아이</a:t>
+              <a:t>수능을 마치고 </a:t>
+            </a:r>
+            <a:r>
+              <a:rPr lang="ko-KR" altLang="en-US" sz="2800" dirty="0" smtClean="0">
+                <a:ln>
+                  <a:solidFill>
+                    <a:schemeClr val="accent1">
+                      <a:alpha val="0"/>
+                    </a:schemeClr>
+                  </a:solidFill>
+                </a:ln>
+                <a:solidFill>
+                  <a:schemeClr val="tx1">
+                    <a:lumMod val="65000"/>
+                    <a:lumOff val="35000"/>
+                  </a:schemeClr>
+                </a:solidFill>
+                <a:latin typeface="나눔스퀘어" panose="020B0600000101010101" pitchFamily="50" charset="-127"/>
+                <a:ea typeface="나눔스퀘어" panose="020B0600000101010101" pitchFamily="50" charset="-127"/>
+              </a:rPr>
+              <a:t>저 자신과 약속했습니다</a:t>
+            </a:r>
+            <a:r>
+              <a:rPr lang="en-US" altLang="ko-KR" sz="2800" dirty="0">
+                <a:ln>
+                  <a:solidFill>
+                    <a:schemeClr val="accent1">
+                      <a:alpha val="0"/>
+                    </a:schemeClr>
+                  </a:solidFill>
+                </a:ln>
+                <a:solidFill>
+                  <a:schemeClr val="tx1">
+                    <a:lumMod val="65000"/>
+                    <a:lumOff val="35000"/>
+                  </a:schemeClr>
+                </a:solidFill>
+                <a:latin typeface="나눔스퀘어" panose="020B0600000101010101" pitchFamily="50" charset="-127"/>
+                <a:ea typeface="나눔스퀘어" panose="020B0600000101010101" pitchFamily="50" charset="-127"/>
+              </a:rPr>
+              <a:t>.</a:t>
             </a:r>
             <a:endParaRPr lang="ko-KR" altLang="en-US" sz="2800" dirty="0">
               <a:ln>
@@ -4141,79 +4645,114 @@
           <a:chExt cx="0" cy="0"/>
         </a:xfrm>
       </p:grpSpPr>
-      <p:sp>
-        <p:nvSpPr>
-          <p:cNvPr id="3" name="TextBox 2"/>
-          <p:cNvSpPr txBox="1"/>
+      <p:pic>
+        <p:nvPicPr>
+          <p:cNvPr id="4" name="Picture 2" descr="관련 이미지"/>
+          <p:cNvPicPr>
+            <a:picLocks noChangeAspect="1" noChangeArrowheads="1"/>
+          </p:cNvPicPr>
           <p:nvPr/>
-        </p:nvSpPr>
-        <p:spPr>
+        </p:nvPicPr>
+        <p:blipFill rotWithShape="1">
+          <a:blip r:embed="rId2">
+            <a:extLst>
+              <a:ext uri="{BEBA8EAE-BF5A-486C-A8C5-ECC9F3942E4B}">
+                <a14:imgProps xmlns:a14="http://schemas.microsoft.com/office/drawing/2010/main">
+                  <a14:imgLayer r:embed="rId3">
+                    <a14:imgEffect>
+                      <a14:backgroundRemoval t="0" b="100000" l="0" r="100000"/>
+                    </a14:imgEffect>
+                  </a14:imgLayer>
+                </a14:imgProps>
+              </a:ext>
+              <a:ext uri="{28A0092B-C50C-407E-A947-70E740481C1C}">
+                <a14:useLocalDpi xmlns:a14="http://schemas.microsoft.com/office/drawing/2010/main" val="0"/>
+              </a:ext>
+            </a:extLst>
+          </a:blip>
+          <a:srcRect b="31450"/>
+          <a:stretch/>
+        </p:blipFill>
+        <p:spPr bwMode="auto">
           <a:xfrm>
-            <a:off x="2705787" y="2402459"/>
-            <a:ext cx="1909498" cy="523220"/>
+            <a:off x="918557" y="2129029"/>
+            <a:ext cx="10354886" cy="4728971"/>
           </a:xfrm>
           <a:prstGeom prst="rect">
             <a:avLst/>
           </a:prstGeom>
           <a:noFill/>
+          <a:extLst>
+            <a:ext uri="{909E8E84-426E-40DD-AFC4-6F175D3DCCD1}">
+              <a14:hiddenFill xmlns:a14="http://schemas.microsoft.com/office/drawing/2010/main">
+                <a:solidFill>
+                  <a:srgbClr val="FFFFFF"/>
+                </a:solidFill>
+              </a14:hiddenFill>
+            </a:ext>
+          </a:extLst>
         </p:spPr>
-        <p:txBody>
-          <a:bodyPr wrap="none" rtlCol="0" anchor="ctr">
-            <a:spAutoFit/>
-          </a:bodyPr>
+      </p:pic>
+      <p:sp>
+        <p:nvSpPr>
+          <p:cNvPr id="2" name="직사각형 1"/>
+          <p:cNvSpPr/>
+          <p:nvPr/>
+        </p:nvSpPr>
+        <p:spPr>
+          <a:xfrm>
+            <a:off x="0" y="0"/>
+            <a:ext cx="12192000" cy="6858000"/>
+          </a:xfrm>
+          <a:prstGeom prst="rect">
+            <a:avLst/>
+          </a:prstGeom>
+          <a:solidFill>
+            <a:schemeClr val="tx1">
+              <a:lumMod val="85000"/>
+              <a:lumOff val="15000"/>
+              <a:alpha val="80000"/>
+            </a:schemeClr>
+          </a:solidFill>
+          <a:ln>
+            <a:noFill/>
+          </a:ln>
+        </p:spPr>
+        <p:style>
+          <a:lnRef idx="2">
+            <a:schemeClr val="accent1">
+              <a:shade val="50000"/>
+            </a:schemeClr>
+          </a:lnRef>
+          <a:fillRef idx="1">
+            <a:schemeClr val="accent1"/>
+          </a:fillRef>
+          <a:effectRef idx="0">
+            <a:schemeClr val="accent1"/>
+          </a:effectRef>
+          <a:fontRef idx="minor">
+            <a:schemeClr val="lt1"/>
+          </a:fontRef>
+        </p:style>
+        <p:txBody>
+          <a:bodyPr rtlCol="0" anchor="ctr"/>
           <a:lstStyle/>
           <a:p>
             <a:pPr algn="ctr"/>
-            <a:r>
-              <a:rPr lang="ko-KR" altLang="en-US" sz="2800" smtClean="0">
-                <a:ln>
-                  <a:solidFill>
-                    <a:schemeClr val="accent1">
-                      <a:alpha val="0"/>
-                    </a:schemeClr>
-                  </a:solidFill>
-                </a:ln>
-                <a:solidFill>
-                  <a:schemeClr val="tx1">
-                    <a:lumMod val="65000"/>
-                    <a:lumOff val="35000"/>
-                  </a:schemeClr>
-                </a:solidFill>
-                <a:latin typeface="나눔스퀘어" panose="020B0600000101010101" pitchFamily="50" charset="-127"/>
-                <a:ea typeface="나눔스퀘어" panose="020B0600000101010101" pitchFamily="50" charset="-127"/>
-              </a:rPr>
-              <a:t>컴퓨터 공학</a:t>
-            </a:r>
-            <a:endParaRPr lang="ko-KR" altLang="en-US" sz="2800" dirty="0">
-              <a:ln>
-                <a:solidFill>
-                  <a:schemeClr val="accent1">
-                    <a:alpha val="0"/>
-                  </a:schemeClr>
-                </a:solidFill>
-              </a:ln>
-              <a:solidFill>
-                <a:schemeClr val="tx1">
-                  <a:lumMod val="65000"/>
-                  <a:lumOff val="35000"/>
-                </a:schemeClr>
-              </a:solidFill>
-              <a:latin typeface="나눔스퀘어" panose="020B0600000101010101" pitchFamily="50" charset="-127"/>
-              <a:ea typeface="나눔스퀘어" panose="020B0600000101010101" pitchFamily="50" charset="-127"/>
-            </a:endParaRPr>
-          </a:p>
-        </p:txBody>
-      </p:sp>
-      <p:sp>
-        <p:nvSpPr>
-          <p:cNvPr id="4" name="TextBox 3"/>
+            <a:endParaRPr lang="ko-KR" altLang="en-US"/>
+          </a:p>
+        </p:txBody>
+      </p:sp>
+      <p:sp>
+        <p:nvSpPr>
+          <p:cNvPr id="6" name="TextBox 5"/>
           <p:cNvSpPr txBox="1"/>
           <p:nvPr/>
         </p:nvSpPr>
         <p:spPr>
           <a:xfrm>
-            <a:off x="7475689" y="2402459"/>
-            <a:ext cx="2146742" cy="523220"/>
+            <a:off x="3188809" y="1867419"/>
+            <a:ext cx="5814412" cy="523220"/>
           </a:xfrm>
           <a:prstGeom prst="rect">
             <a:avLst/>
@@ -4237,225 +4776,13 @@
                   </a:solidFill>
                 </a:ln>
                 <a:solidFill>
-                  <a:schemeClr val="tx1">
-                    <a:lumMod val="65000"/>
-                    <a:lumOff val="35000"/>
-                  </a:schemeClr>
-                </a:solidFill>
-                <a:latin typeface="나눔스퀘어" panose="020B0600000101010101" pitchFamily="50" charset="-127"/>
-                <a:ea typeface="나눔스퀘어" panose="020B0600000101010101" pitchFamily="50" charset="-127"/>
+                  <a:srgbClr val="FFCD15"/>
+                </a:solidFill>
+                <a:latin typeface="나눔고딕 ExtraBold" panose="020D0904000000000000" pitchFamily="50" charset="-127"/>
+                <a:ea typeface="나눔고딕 ExtraBold" panose="020D0904000000000000" pitchFamily="50" charset="-127"/>
               </a:rPr>
-              <a:t>글로벌미디어</a:t>
-            </a:r>
-            <a:endParaRPr lang="ko-KR" altLang="en-US" sz="2800" dirty="0">
-              <a:ln>
-                <a:solidFill>
-                  <a:schemeClr val="accent1">
-                    <a:alpha val="0"/>
-                  </a:schemeClr>
-                </a:solidFill>
-              </a:ln>
-              <a:solidFill>
-                <a:schemeClr val="tx1">
-                  <a:lumMod val="65000"/>
-                  <a:lumOff val="35000"/>
-                </a:schemeClr>
-              </a:solidFill>
-              <a:latin typeface="나눔스퀘어" panose="020B0600000101010101" pitchFamily="50" charset="-127"/>
-              <a:ea typeface="나눔스퀘어" panose="020B0600000101010101" pitchFamily="50" charset="-127"/>
-            </a:endParaRPr>
-          </a:p>
-        </p:txBody>
-      </p:sp>
-      <p:sp>
-        <p:nvSpPr>
-          <p:cNvPr id="5" name="TextBox 4"/>
-          <p:cNvSpPr txBox="1"/>
-          <p:nvPr/>
-        </p:nvSpPr>
-        <p:spPr>
-          <a:xfrm>
-            <a:off x="2542283" y="3615797"/>
-            <a:ext cx="2236511" cy="523220"/>
-          </a:xfrm>
-          <a:prstGeom prst="rect">
-            <a:avLst/>
-          </a:prstGeom>
-          <a:noFill/>
-        </p:spPr>
-        <p:txBody>
-          <a:bodyPr wrap="none" rtlCol="0" anchor="ctr">
-            <a:spAutoFit/>
-          </a:bodyPr>
-          <a:lstStyle/>
-          <a:p>
-            <a:pPr algn="ctr"/>
-            <a:r>
-              <a:rPr lang="ko-KR" altLang="en-US" sz="2800" dirty="0" err="1" smtClean="0">
-                <a:ln>
-                  <a:solidFill>
-                    <a:schemeClr val="accent1">
-                      <a:alpha val="0"/>
-                    </a:schemeClr>
-                  </a:solidFill>
-                </a:ln>
-                <a:solidFill>
-                  <a:schemeClr val="tx1">
-                    <a:lumMod val="65000"/>
-                    <a:lumOff val="35000"/>
-                  </a:schemeClr>
-                </a:solidFill>
-                <a:latin typeface="나눔스퀘어" panose="020B0600000101010101" pitchFamily="50" charset="-127"/>
-                <a:ea typeface="나눔스퀘어" panose="020B0600000101010101" pitchFamily="50" charset="-127"/>
-              </a:rPr>
-              <a:t>단과대</a:t>
-            </a:r>
-            <a:r>
-              <a:rPr lang="ko-KR" altLang="en-US" sz="2800" dirty="0" smtClean="0">
-                <a:ln>
-                  <a:solidFill>
-                    <a:schemeClr val="accent1">
-                      <a:alpha val="0"/>
-                    </a:schemeClr>
-                  </a:solidFill>
-                </a:ln>
-                <a:solidFill>
-                  <a:schemeClr val="tx1">
-                    <a:lumMod val="65000"/>
-                    <a:lumOff val="35000"/>
-                  </a:schemeClr>
-                </a:solidFill>
-                <a:latin typeface="나눔스퀘어" panose="020B0600000101010101" pitchFamily="50" charset="-127"/>
-                <a:ea typeface="나눔스퀘어" panose="020B0600000101010101" pitchFamily="50" charset="-127"/>
-              </a:rPr>
-              <a:t> 장학생</a:t>
-            </a:r>
-            <a:endParaRPr lang="ko-KR" altLang="en-US" sz="2800" dirty="0">
-              <a:ln>
-                <a:solidFill>
-                  <a:schemeClr val="accent1">
-                    <a:alpha val="0"/>
-                  </a:schemeClr>
-                </a:solidFill>
-              </a:ln>
-              <a:solidFill>
-                <a:schemeClr val="tx1">
-                  <a:lumMod val="65000"/>
-                  <a:lumOff val="35000"/>
-                </a:schemeClr>
-              </a:solidFill>
-              <a:latin typeface="나눔스퀘어" panose="020B0600000101010101" pitchFamily="50" charset="-127"/>
-              <a:ea typeface="나눔스퀘어" panose="020B0600000101010101" pitchFamily="50" charset="-127"/>
-            </a:endParaRPr>
-          </a:p>
-        </p:txBody>
-      </p:sp>
-      <p:sp>
-        <p:nvSpPr>
-          <p:cNvPr id="6" name="TextBox 5"/>
-          <p:cNvSpPr txBox="1"/>
-          <p:nvPr/>
-        </p:nvSpPr>
-        <p:spPr>
-          <a:xfrm>
-            <a:off x="7549427" y="3615797"/>
-            <a:ext cx="1909498" cy="523220"/>
-          </a:xfrm>
-          <a:prstGeom prst="rect">
-            <a:avLst/>
-          </a:prstGeom>
-          <a:noFill/>
-        </p:spPr>
-        <p:txBody>
-          <a:bodyPr wrap="none" rtlCol="0" anchor="ctr">
-            <a:spAutoFit/>
-          </a:bodyPr>
-          <a:lstStyle/>
-          <a:p>
-            <a:pPr algn="ctr"/>
-            <a:r>
-              <a:rPr lang="ko-KR" altLang="en-US" sz="2800" dirty="0" err="1" smtClean="0">
-                <a:ln>
-                  <a:solidFill>
-                    <a:schemeClr val="accent1">
-                      <a:alpha val="0"/>
-                    </a:schemeClr>
-                  </a:solidFill>
-                </a:ln>
-                <a:solidFill>
-                  <a:schemeClr val="tx1">
-                    <a:lumMod val="65000"/>
-                    <a:lumOff val="35000"/>
-                  </a:schemeClr>
-                </a:solidFill>
-                <a:latin typeface="나눔스퀘어" panose="020B0600000101010101" pitchFamily="50" charset="-127"/>
-                <a:ea typeface="나눔스퀘어" panose="020B0600000101010101" pitchFamily="50" charset="-127"/>
-              </a:rPr>
-              <a:t>융합형</a:t>
-            </a:r>
-            <a:r>
-              <a:rPr lang="ko-KR" altLang="en-US" sz="2800" dirty="0" smtClean="0">
-                <a:ln>
-                  <a:solidFill>
-                    <a:schemeClr val="accent1">
-                      <a:alpha val="0"/>
-                    </a:schemeClr>
-                  </a:solidFill>
-                </a:ln>
-                <a:solidFill>
-                  <a:schemeClr val="tx1">
-                    <a:lumMod val="65000"/>
-                    <a:lumOff val="35000"/>
-                  </a:schemeClr>
-                </a:solidFill>
-                <a:latin typeface="나눔스퀘어" panose="020B0600000101010101" pitchFamily="50" charset="-127"/>
-                <a:ea typeface="나눔스퀘어" panose="020B0600000101010101" pitchFamily="50" charset="-127"/>
-              </a:rPr>
-              <a:t> 인재</a:t>
-            </a:r>
-            <a:endParaRPr lang="ko-KR" altLang="en-US" sz="2800" dirty="0">
-              <a:ln>
-                <a:solidFill>
-                  <a:schemeClr val="accent1">
-                    <a:alpha val="0"/>
-                  </a:schemeClr>
-                </a:solidFill>
-              </a:ln>
-              <a:solidFill>
-                <a:schemeClr val="tx1">
-                  <a:lumMod val="65000"/>
-                  <a:lumOff val="35000"/>
-                </a:schemeClr>
-              </a:solidFill>
-              <a:latin typeface="나눔스퀘어" panose="020B0600000101010101" pitchFamily="50" charset="-127"/>
-              <a:ea typeface="나눔스퀘어" panose="020B0600000101010101" pitchFamily="50" charset="-127"/>
-            </a:endParaRPr>
-          </a:p>
-        </p:txBody>
-      </p:sp>
-      <p:sp>
-        <p:nvSpPr>
-          <p:cNvPr id="7" name="TextBox 6"/>
-          <p:cNvSpPr txBox="1"/>
-          <p:nvPr/>
-        </p:nvSpPr>
-        <p:spPr>
-          <a:xfrm>
-            <a:off x="8011093" y="4567525"/>
-            <a:ext cx="986167" cy="523220"/>
-          </a:xfrm>
-          <a:prstGeom prst="rect">
-            <a:avLst/>
-          </a:prstGeom>
-          <a:noFill/>
-        </p:spPr>
-        <p:txBody>
-          <a:bodyPr wrap="none" rtlCol="0" anchor="ctr">
-            <a:spAutoFit/>
-          </a:bodyPr>
-          <a:lstStyle/>
-          <a:p>
-            <a:pPr algn="ctr"/>
+              <a:t>새로운 것을 많이 배우고 경험해보자</a:t>
+            </a:r>
             <a:r>
               <a:rPr lang="en-US" altLang="ko-KR" sz="2800" dirty="0" smtClean="0">
                 <a:ln>
@@ -4466,15 +4793,12 @@
                   </a:solidFill>
                 </a:ln>
                 <a:solidFill>
-                  <a:schemeClr val="tx1">
-                    <a:lumMod val="65000"/>
-                    <a:lumOff val="35000"/>
-                  </a:schemeClr>
-                </a:solidFill>
-                <a:latin typeface="나눔스퀘어" panose="020B0600000101010101" pitchFamily="50" charset="-127"/>
-                <a:ea typeface="나눔스퀘어" panose="020B0600000101010101" pitchFamily="50" charset="-127"/>
+                  <a:srgbClr val="FFCD15"/>
+                </a:solidFill>
+                <a:latin typeface="나눔고딕 ExtraBold" panose="020D0904000000000000" pitchFamily="50" charset="-127"/>
+                <a:ea typeface="나눔고딕 ExtraBold" panose="020D0904000000000000" pitchFamily="50" charset="-127"/>
               </a:rPr>
-              <a:t>NEW</a:t>
+              <a:t>!</a:t>
             </a:r>
             <a:endParaRPr lang="ko-KR" altLang="en-US" sz="2800" dirty="0">
               <a:ln>
@@ -4485,13 +4809,10 @@
                 </a:solidFill>
               </a:ln>
               <a:solidFill>
-                <a:schemeClr val="tx1">
-                  <a:lumMod val="65000"/>
-                  <a:lumOff val="35000"/>
-                </a:schemeClr>
+                <a:srgbClr val="FFCD15"/>
               </a:solidFill>
-              <a:latin typeface="나눔스퀘어" panose="020B0600000101010101" pitchFamily="50" charset="-127"/>
-              <a:ea typeface="나눔스퀘어" panose="020B0600000101010101" pitchFamily="50" charset="-127"/>
+              <a:latin typeface="나눔고딕 ExtraBold" panose="020D0904000000000000" pitchFamily="50" charset="-127"/>
+              <a:ea typeface="나눔고딕 ExtraBold" panose="020D0904000000000000" pitchFamily="50" charset="-127"/>
             </a:endParaRPr>
           </a:p>
         </p:txBody>
@@ -4499,7 +4820,7 @@
     </p:spTree>
     <p:extLst>
       <p:ext uri="{BB962C8B-B14F-4D97-AF65-F5344CB8AC3E}">
-        <p14:creationId xmlns:p14="http://schemas.microsoft.com/office/powerpoint/2010/main" val="1695487173"/>
+        <p14:creationId xmlns:p14="http://schemas.microsoft.com/office/powerpoint/2010/main" val="1071318429"/>
       </p:ext>
     </p:extLst>
   </p:cSld>
@@ -4541,8 +4862,8 @@
         </p:nvSpPr>
         <p:spPr>
           <a:xfrm>
-            <a:off x="4335919" y="2479430"/>
-            <a:ext cx="3397085" cy="523220"/>
+            <a:off x="8448870" y="4387493"/>
+            <a:ext cx="1588898" cy="400110"/>
           </a:xfrm>
           <a:prstGeom prst="rect">
             <a:avLst/>
@@ -4557,7 +4878,7 @@
           <a:p>
             <a:pPr algn="ctr"/>
             <a:r>
-              <a:rPr lang="ko-KR" altLang="en-US" sz="2800" dirty="0" smtClean="0">
+              <a:rPr lang="ko-KR" altLang="en-US" sz="2000" dirty="0" smtClean="0">
                 <a:ln>
                   <a:solidFill>
                     <a:schemeClr val="accent1">
@@ -4574,49 +4895,9 @@
                 <a:latin typeface="나눔스퀘어" panose="020B0600000101010101" pitchFamily="50" charset="-127"/>
                 <a:ea typeface="나눔스퀘어" panose="020B0600000101010101" pitchFamily="50" charset="-127"/>
               </a:rPr>
-              <a:t>새로운</a:t>
-            </a:r>
-            <a:r>
-              <a:rPr lang="en-US" altLang="ko-KR" sz="2800" dirty="0" smtClean="0">
-                <a:ln>
-                  <a:solidFill>
-                    <a:schemeClr val="accent1">
-                      <a:alpha val="0"/>
-                    </a:schemeClr>
-                  </a:solidFill>
-                </a:ln>
-                <a:solidFill>
-                  <a:schemeClr val="tx1">
-                    <a:lumMod val="65000"/>
-                    <a:lumOff val="35000"/>
-                  </a:schemeClr>
-                </a:solidFill>
-                <a:latin typeface="나눔스퀘어" panose="020B0600000101010101" pitchFamily="50" charset="-127"/>
-                <a:ea typeface="나눔스퀘어" panose="020B0600000101010101" pitchFamily="50" charset="-127"/>
-              </a:rPr>
-              <a:t> </a:t>
-            </a:r>
-            <a:r>
-              <a:rPr lang="ko-KR" altLang="en-US" sz="2800" dirty="0" smtClean="0">
-                <a:ln>
-                  <a:solidFill>
-                    <a:schemeClr val="accent1">
-                      <a:alpha val="0"/>
-                    </a:schemeClr>
-                  </a:solidFill>
-                </a:ln>
-                <a:solidFill>
-                  <a:schemeClr val="tx1">
-                    <a:lumMod val="65000"/>
-                    <a:lumOff val="35000"/>
-                  </a:schemeClr>
-                </a:solidFill>
-                <a:latin typeface="나눔스퀘어" panose="020B0600000101010101" pitchFamily="50" charset="-127"/>
-                <a:ea typeface="나눔스퀘어" panose="020B0600000101010101" pitchFamily="50" charset="-127"/>
-              </a:rPr>
-              <a:t>것에 대한 갈망</a:t>
-            </a:r>
-            <a:endParaRPr lang="ko-KR" altLang="en-US" sz="2800" dirty="0">
+              <a:t>컴퓨터공학과</a:t>
+            </a:r>
+            <a:endParaRPr lang="ko-KR" altLang="en-US" sz="2000" dirty="0">
               <a:ln>
                 <a:solidFill>
                   <a:schemeClr val="accent1">
@@ -4638,14 +4919,14 @@
       </p:sp>
       <p:sp>
         <p:nvSpPr>
-          <p:cNvPr id="8" name="TextBox 7"/>
+          <p:cNvPr id="4" name="TextBox 3"/>
           <p:cNvSpPr txBox="1"/>
           <p:nvPr/>
         </p:nvSpPr>
         <p:spPr>
           <a:xfrm>
-            <a:off x="5079713" y="3789484"/>
-            <a:ext cx="1909498" cy="523220"/>
+            <a:off x="2090514" y="4387493"/>
+            <a:ext cx="2056974" cy="400110"/>
           </a:xfrm>
           <a:prstGeom prst="rect">
             <a:avLst/>
@@ -4660,7 +4941,7 @@
           <a:p>
             <a:pPr algn="ctr"/>
             <a:r>
-              <a:rPr lang="ko-KR" altLang="en-US" sz="2800" smtClean="0">
+              <a:rPr lang="ko-KR" altLang="en-US" sz="2000" dirty="0" smtClean="0">
                 <a:ln>
                   <a:solidFill>
                     <a:schemeClr val="accent1">
@@ -4677,9 +4958,9 @@
                 <a:latin typeface="나눔스퀘어" panose="020B0600000101010101" pitchFamily="50" charset="-127"/>
                 <a:ea typeface="나눔스퀘어" panose="020B0600000101010101" pitchFamily="50" charset="-127"/>
               </a:rPr>
-              <a:t>새로운 배움</a:t>
-            </a:r>
-            <a:endParaRPr lang="ko-KR" altLang="en-US" sz="2800" dirty="0">
+              <a:t>글로벌미디어학부</a:t>
+            </a:r>
+            <a:endParaRPr lang="ko-KR" altLang="en-US" sz="2000" dirty="0">
               <a:ln>
                 <a:solidFill>
                   <a:schemeClr val="accent1">
@@ -4701,48 +4982,227 @@
       </p:sp>
       <p:sp>
         <p:nvSpPr>
-          <p:cNvPr id="2" name="아래쪽 화살표 1"/>
-          <p:cNvSpPr/>
+          <p:cNvPr id="5" name="TextBox 4"/>
+          <p:cNvSpPr txBox="1"/>
           <p:nvPr/>
         </p:nvSpPr>
         <p:spPr>
           <a:xfrm>
-            <a:off x="5556738" y="3134457"/>
-            <a:ext cx="1019908" cy="452804"/>
+            <a:off x="7775608" y="4862429"/>
+            <a:ext cx="2935419" cy="400110"/>
           </a:xfrm>
-          <a:prstGeom prst="downArrow">
+          <a:prstGeom prst="rect">
             <a:avLst/>
           </a:prstGeom>
+          <a:noFill/>
         </p:spPr>
-        <p:style>
-          <a:lnRef idx="2">
-            <a:schemeClr val="accent1">
-              <a:shade val="50000"/>
-            </a:schemeClr>
-          </a:lnRef>
-          <a:fillRef idx="1">
-            <a:schemeClr val="accent1"/>
-          </a:fillRef>
-          <a:effectRef idx="0">
-            <a:schemeClr val="accent1"/>
-          </a:effectRef>
-          <a:fontRef idx="minor">
-            <a:schemeClr val="lt1"/>
-          </a:fontRef>
-        </p:style>
-        <p:txBody>
-          <a:bodyPr rtlCol="0" anchor="ctr"/>
+        <p:txBody>
+          <a:bodyPr wrap="none" rtlCol="0" anchor="ctr">
+            <a:spAutoFit/>
+          </a:bodyPr>
           <a:lstStyle/>
           <a:p>
             <a:pPr algn="ctr"/>
-            <a:endParaRPr lang="ko-KR" altLang="en-US"/>
-          </a:p>
-        </p:txBody>
-      </p:sp>
+            <a:r>
+              <a:rPr lang="ko-KR" altLang="en-US" sz="2000" dirty="0" smtClean="0">
+                <a:ln>
+                  <a:solidFill>
+                    <a:schemeClr val="accent1">
+                      <a:alpha val="0"/>
+                    </a:schemeClr>
+                  </a:solidFill>
+                </a:ln>
+                <a:solidFill>
+                  <a:schemeClr val="tx1">
+                    <a:lumMod val="65000"/>
+                    <a:lumOff val="35000"/>
+                  </a:schemeClr>
+                </a:solidFill>
+                <a:latin typeface="나눔스퀘어" panose="020B0600000101010101" pitchFamily="50" charset="-127"/>
+                <a:ea typeface="나눔스퀘어" panose="020B0600000101010101" pitchFamily="50" charset="-127"/>
+              </a:rPr>
+              <a:t>입학 장학금 </a:t>
+            </a:r>
+            <a:r>
+              <a:rPr lang="en-US" altLang="ko-KR" sz="2000" dirty="0" smtClean="0">
+                <a:ln>
+                  <a:solidFill>
+                    <a:schemeClr val="accent1">
+                      <a:alpha val="0"/>
+                    </a:schemeClr>
+                  </a:solidFill>
+                </a:ln>
+                <a:solidFill>
+                  <a:schemeClr val="tx1">
+                    <a:lumMod val="65000"/>
+                    <a:lumOff val="35000"/>
+                  </a:schemeClr>
+                </a:solidFill>
+                <a:latin typeface="나눔스퀘어" panose="020B0600000101010101" pitchFamily="50" charset="-127"/>
+                <a:ea typeface="나눔스퀘어" panose="020B0600000101010101" pitchFamily="50" charset="-127"/>
+              </a:rPr>
+              <a:t>+ </a:t>
+            </a:r>
+            <a:r>
+              <a:rPr lang="ko-KR" altLang="en-US" sz="2000" dirty="0" smtClean="0">
+                <a:ln>
+                  <a:solidFill>
+                    <a:schemeClr val="accent1">
+                      <a:alpha val="0"/>
+                    </a:schemeClr>
+                  </a:solidFill>
+                </a:ln>
+                <a:solidFill>
+                  <a:schemeClr val="tx1">
+                    <a:lumMod val="65000"/>
+                    <a:lumOff val="35000"/>
+                  </a:schemeClr>
+                </a:solidFill>
+                <a:latin typeface="나눔스퀘어" panose="020B0600000101010101" pitchFamily="50" charset="-127"/>
+                <a:ea typeface="나눔스퀘어" panose="020B0600000101010101" pitchFamily="50" charset="-127"/>
+              </a:rPr>
+              <a:t>노트북 증정</a:t>
+            </a:r>
+            <a:endParaRPr lang="ko-KR" altLang="en-US" sz="2000" dirty="0">
+              <a:ln>
+                <a:solidFill>
+                  <a:schemeClr val="accent1">
+                    <a:alpha val="0"/>
+                  </a:schemeClr>
+                </a:solidFill>
+              </a:ln>
+              <a:solidFill>
+                <a:schemeClr val="tx1">
+                  <a:lumMod val="65000"/>
+                  <a:lumOff val="35000"/>
+                </a:schemeClr>
+              </a:solidFill>
+              <a:latin typeface="나눔스퀘어" panose="020B0600000101010101" pitchFamily="50" charset="-127"/>
+              <a:ea typeface="나눔스퀘어" panose="020B0600000101010101" pitchFamily="50" charset="-127"/>
+            </a:endParaRPr>
+          </a:p>
+        </p:txBody>
+      </p:sp>
+      <p:pic>
+        <p:nvPicPr>
+          <p:cNvPr id="1026" name="Picture 2" descr="광운대 ci png에 대한 이미지 검색결과"/>
+          <p:cNvPicPr>
+            <a:picLocks noChangeAspect="1" noChangeArrowheads="1"/>
+          </p:cNvPicPr>
+          <p:nvPr/>
+        </p:nvPicPr>
+        <p:blipFill>
+          <a:blip r:embed="rId2" cstate="print">
+            <a:extLst>
+              <a:ext uri="{28A0092B-C50C-407E-A947-70E740481C1C}">
+                <a14:useLocalDpi xmlns:a14="http://schemas.microsoft.com/office/drawing/2010/main" val="0"/>
+              </a:ext>
+            </a:extLst>
+          </a:blip>
+          <a:srcRect/>
+          <a:stretch>
+            <a:fillRect/>
+          </a:stretch>
+        </p:blipFill>
+        <p:spPr bwMode="auto">
+          <a:xfrm>
+            <a:off x="8215441" y="2002113"/>
+            <a:ext cx="2055755" cy="2055755"/>
+          </a:xfrm>
+          <a:prstGeom prst="rect">
+            <a:avLst/>
+          </a:prstGeom>
+          <a:noFill/>
+          <a:extLst>
+            <a:ext uri="{909E8E84-426E-40DD-AFC4-6F175D3DCCD1}">
+              <a14:hiddenFill xmlns:a14="http://schemas.microsoft.com/office/drawing/2010/main">
+                <a:solidFill>
+                  <a:srgbClr val="FFFFFF"/>
+                </a:solidFill>
+              </a14:hiddenFill>
+            </a:ext>
+          </a:extLst>
+        </p:spPr>
+      </p:pic>
+      <p:grpSp>
+        <p:nvGrpSpPr>
+          <p:cNvPr id="9" name="그룹 8"/>
+          <p:cNvGrpSpPr/>
+          <p:nvPr/>
+        </p:nvGrpSpPr>
+        <p:grpSpPr>
+          <a:xfrm>
+            <a:off x="1769034" y="2192814"/>
+            <a:ext cx="2699932" cy="1674353"/>
+            <a:chOff x="6984396" y="1544039"/>
+            <a:chExt cx="2699932" cy="1674353"/>
+          </a:xfrm>
+        </p:grpSpPr>
+        <p:pic>
+          <p:nvPicPr>
+            <p:cNvPr id="2" name="그림 1"/>
+            <p:cNvPicPr>
+              <a:picLocks noChangeAspect="1"/>
+            </p:cNvPicPr>
+            <p:nvPr/>
+          </p:nvPicPr>
+          <p:blipFill>
+            <a:blip r:embed="rId3">
+              <a:extLst>
+                <a:ext uri="{28A0092B-C50C-407E-A947-70E740481C1C}">
+                  <a14:useLocalDpi xmlns:a14="http://schemas.microsoft.com/office/drawing/2010/main" val="0"/>
+                </a:ext>
+              </a:extLst>
+            </a:blip>
+            <a:stretch>
+              <a:fillRect/>
+            </a:stretch>
+          </p:blipFill>
+          <p:spPr>
+            <a:xfrm>
+              <a:off x="6984396" y="1544039"/>
+              <a:ext cx="2699932" cy="1151133"/>
+            </a:xfrm>
+            <a:prstGeom prst="rect">
+              <a:avLst/>
+            </a:prstGeom>
+          </p:spPr>
+        </p:pic>
+        <p:pic>
+          <p:nvPicPr>
+            <p:cNvPr id="8" name="그림 7"/>
+            <p:cNvPicPr>
+              <a:picLocks noChangeAspect="1"/>
+            </p:cNvPicPr>
+            <p:nvPr/>
+          </p:nvPicPr>
+          <p:blipFill>
+            <a:blip r:embed="rId4">
+              <a:extLst>
+                <a:ext uri="{28A0092B-C50C-407E-A947-70E740481C1C}">
+                  <a14:useLocalDpi xmlns:a14="http://schemas.microsoft.com/office/drawing/2010/main" val="0"/>
+                </a:ext>
+              </a:extLst>
+            </a:blip>
+            <a:stretch>
+              <a:fillRect/>
+            </a:stretch>
+          </p:blipFill>
+          <p:spPr>
+            <a:xfrm>
+              <a:off x="7349221" y="2830088"/>
+              <a:ext cx="1970282" cy="388304"/>
+            </a:xfrm>
+            <a:prstGeom prst="rect">
+              <a:avLst/>
+            </a:prstGeom>
+          </p:spPr>
+        </p:pic>
+      </p:grpSp>
     </p:spTree>
     <p:extLst>
       <p:ext uri="{BB962C8B-B14F-4D97-AF65-F5344CB8AC3E}">
-        <p14:creationId xmlns:p14="http://schemas.microsoft.com/office/powerpoint/2010/main" val="4074142578"/>
+        <p14:creationId xmlns:p14="http://schemas.microsoft.com/office/powerpoint/2010/main" val="2538438452"/>
       </p:ext>
     </p:extLst>
   </p:cSld>
@@ -4778,14 +5238,63 @@
       </p:grpSpPr>
       <p:sp>
         <p:nvSpPr>
-          <p:cNvPr id="3" name="TextBox 2"/>
+          <p:cNvPr id="11" name="직사각형 10"/>
+          <p:cNvSpPr/>
+          <p:nvPr/>
+        </p:nvSpPr>
+        <p:spPr>
+          <a:xfrm>
+            <a:off x="6068292" y="0"/>
+            <a:ext cx="6123708" cy="6858000"/>
+          </a:xfrm>
+          <a:prstGeom prst="rect">
+            <a:avLst/>
+          </a:prstGeom>
+          <a:solidFill>
+            <a:schemeClr val="tx1">
+              <a:lumMod val="75000"/>
+              <a:lumOff val="25000"/>
+            </a:schemeClr>
+          </a:solidFill>
+          <a:ln>
+            <a:noFill/>
+          </a:ln>
+        </p:spPr>
+        <p:style>
+          <a:lnRef idx="2">
+            <a:schemeClr val="accent1">
+              <a:shade val="50000"/>
+            </a:schemeClr>
+          </a:lnRef>
+          <a:fillRef idx="1">
+            <a:schemeClr val="accent1"/>
+          </a:fillRef>
+          <a:effectRef idx="0">
+            <a:schemeClr val="accent1"/>
+          </a:effectRef>
+          <a:fontRef idx="minor">
+            <a:schemeClr val="lt1"/>
+          </a:fontRef>
+        </p:style>
+        <p:txBody>
+          <a:bodyPr rtlCol="0" anchor="ctr"/>
+          <a:lstStyle/>
+          <a:p>
+            <a:pPr algn="ctr"/>
+            <a:endParaRPr lang="ko-KR" altLang="en-US"/>
+          </a:p>
+        </p:txBody>
+      </p:sp>
+      <p:sp>
+        <p:nvSpPr>
+          <p:cNvPr id="4" name="TextBox 3"/>
           <p:cNvSpPr txBox="1"/>
           <p:nvPr/>
         </p:nvSpPr>
         <p:spPr>
           <a:xfrm>
-            <a:off x="5515061" y="3235569"/>
-            <a:ext cx="1548822" cy="523220"/>
+            <a:off x="2090514" y="4387493"/>
+            <a:ext cx="2056974" cy="400110"/>
           </a:xfrm>
           <a:prstGeom prst="rect">
             <a:avLst/>
@@ -4800,7 +5309,7 @@
           <a:p>
             <a:pPr algn="ctr"/>
             <a:r>
-              <a:rPr lang="en-US" altLang="ko-KR" sz="2800" dirty="0" smtClean="0">
+              <a:rPr lang="ko-KR" altLang="en-US" sz="2000" dirty="0" smtClean="0">
                 <a:ln>
                   <a:solidFill>
                     <a:schemeClr val="accent1">
@@ -4817,9 +5326,9 @@
                 <a:latin typeface="나눔스퀘어" panose="020B0600000101010101" pitchFamily="50" charset="-127"/>
                 <a:ea typeface="나눔스퀘어" panose="020B0600000101010101" pitchFamily="50" charset="-127"/>
               </a:rPr>
-              <a:t>Big Data</a:t>
-            </a:r>
-            <a:endParaRPr lang="ko-KR" altLang="en-US" sz="2800" dirty="0">
+              <a:t>글로벌미디어학부</a:t>
+            </a:r>
+            <a:endParaRPr lang="ko-KR" altLang="en-US" sz="2000" dirty="0">
               <a:ln>
                 <a:solidFill>
                   <a:schemeClr val="accent1">
@@ -4839,16 +5348,91 @@
           </a:p>
         </p:txBody>
       </p:sp>
-      <p:sp>
-        <p:nvSpPr>
-          <p:cNvPr id="5" name="TextBox 4"/>
+      <p:grpSp>
+        <p:nvGrpSpPr>
+          <p:cNvPr id="9" name="그룹 8"/>
+          <p:cNvGrpSpPr/>
+          <p:nvPr/>
+        </p:nvGrpSpPr>
+        <p:grpSpPr>
+          <a:xfrm>
+            <a:off x="1769034" y="2192814"/>
+            <a:ext cx="2699932" cy="1674353"/>
+            <a:chOff x="6984396" y="1544039"/>
+            <a:chExt cx="2699932" cy="1674353"/>
+          </a:xfrm>
+        </p:grpSpPr>
+        <p:pic>
+          <p:nvPicPr>
+            <p:cNvPr id="2" name="그림 1"/>
+            <p:cNvPicPr>
+              <a:picLocks noChangeAspect="1"/>
+            </p:cNvPicPr>
+            <p:nvPr/>
+          </p:nvPicPr>
+          <p:blipFill>
+            <a:blip r:embed="rId2">
+              <a:extLst>
+                <a:ext uri="{28A0092B-C50C-407E-A947-70E740481C1C}">
+                  <a14:useLocalDpi xmlns:a14="http://schemas.microsoft.com/office/drawing/2010/main" val="0"/>
+                </a:ext>
+              </a:extLst>
+            </a:blip>
+            <a:stretch>
+              <a:fillRect/>
+            </a:stretch>
+          </p:blipFill>
+          <p:spPr>
+            <a:xfrm>
+              <a:off x="6984396" y="1544039"/>
+              <a:ext cx="2699932" cy="1151133"/>
+            </a:xfrm>
+            <a:prstGeom prst="rect">
+              <a:avLst/>
+            </a:prstGeom>
+          </p:spPr>
+        </p:pic>
+        <p:pic>
+          <p:nvPicPr>
+            <p:cNvPr id="8" name="그림 7"/>
+            <p:cNvPicPr>
+              <a:picLocks noChangeAspect="1"/>
+            </p:cNvPicPr>
+            <p:nvPr/>
+          </p:nvPicPr>
+          <p:blipFill>
+            <a:blip r:embed="rId3">
+              <a:extLst>
+                <a:ext uri="{28A0092B-C50C-407E-A947-70E740481C1C}">
+                  <a14:useLocalDpi xmlns:a14="http://schemas.microsoft.com/office/drawing/2010/main" val="0"/>
+                </a:ext>
+              </a:extLst>
+            </a:blip>
+            <a:stretch>
+              <a:fillRect/>
+            </a:stretch>
+          </p:blipFill>
+          <p:spPr>
+            <a:xfrm>
+              <a:off x="7349221" y="2830088"/>
+              <a:ext cx="1970282" cy="388304"/>
+            </a:xfrm>
+            <a:prstGeom prst="rect">
+              <a:avLst/>
+            </a:prstGeom>
+          </p:spPr>
+        </p:pic>
+      </p:grpSp>
+      <p:sp>
+        <p:nvSpPr>
+          <p:cNvPr id="10" name="TextBox 9"/>
           <p:cNvSpPr txBox="1"/>
           <p:nvPr/>
         </p:nvSpPr>
         <p:spPr>
           <a:xfrm>
-            <a:off x="2099428" y="3235569"/>
-            <a:ext cx="1837171" cy="523220"/>
+            <a:off x="7106611" y="3072850"/>
+            <a:ext cx="4047070" cy="1200329"/>
           </a:xfrm>
           <a:prstGeom prst="rect">
             <a:avLst/>
@@ -4863,7 +5447,7 @@
           <a:p>
             <a:pPr algn="ctr"/>
             <a:r>
-              <a:rPr lang="en-US" altLang="ko-KR" sz="2800" dirty="0" smtClean="0">
+              <a:rPr lang="en-US" altLang="ko-KR" sz="2400" dirty="0" smtClean="0">
                 <a:ln>
                   <a:solidFill>
                     <a:schemeClr val="accent1">
@@ -4872,61 +5456,15 @@
                   </a:solidFill>
                 </a:ln>
                 <a:solidFill>
-                  <a:schemeClr val="tx1">
-                    <a:lumMod val="65000"/>
-                    <a:lumOff val="35000"/>
-                  </a:schemeClr>
-                </a:solidFill>
-                <a:latin typeface="나눔스퀘어" panose="020B0600000101010101" pitchFamily="50" charset="-127"/>
-                <a:ea typeface="나눔스퀘어" panose="020B0600000101010101" pitchFamily="50" charset="-127"/>
+                  <a:srgbClr val="FFCD15"/>
+                </a:solidFill>
+                <a:latin typeface="나눔고딕 ExtraBold" panose="020D0904000000000000" pitchFamily="50" charset="-127"/>
+                <a:ea typeface="나눔고딕 ExtraBold" panose="020D0904000000000000" pitchFamily="50" charset="-127"/>
               </a:rPr>
-              <a:t>Marketing</a:t>
-            </a:r>
-            <a:endParaRPr lang="ko-KR" altLang="en-US" sz="2800" dirty="0">
-              <a:ln>
-                <a:solidFill>
-                  <a:schemeClr val="accent1">
-                    <a:alpha val="0"/>
-                  </a:schemeClr>
-                </a:solidFill>
-              </a:ln>
-              <a:solidFill>
-                <a:schemeClr val="tx1">
-                  <a:lumMod val="65000"/>
-                  <a:lumOff val="35000"/>
-                </a:schemeClr>
-              </a:solidFill>
-              <a:latin typeface="나눔스퀘어" panose="020B0600000101010101" pitchFamily="50" charset="-127"/>
-              <a:ea typeface="나눔스퀘어" panose="020B0600000101010101" pitchFamily="50" charset="-127"/>
-            </a:endParaRPr>
-          </a:p>
-        </p:txBody>
-      </p:sp>
-      <p:sp>
-        <p:nvSpPr>
-          <p:cNvPr id="6" name="TextBox 5"/>
-          <p:cNvSpPr txBox="1"/>
-          <p:nvPr/>
-        </p:nvSpPr>
-        <p:spPr>
-          <a:xfrm>
-            <a:off x="8888529" y="3235569"/>
-            <a:ext cx="639920" cy="523220"/>
-          </a:xfrm>
-          <a:prstGeom prst="rect">
-            <a:avLst/>
-          </a:prstGeom>
-          <a:noFill/>
-        </p:spPr>
-        <p:txBody>
-          <a:bodyPr wrap="none" rtlCol="0" anchor="ctr">
-            <a:spAutoFit/>
-          </a:bodyPr>
-          <a:lstStyle/>
-          <a:p>
-            <a:pPr algn="ctr"/>
-            <a:r>
-              <a:rPr lang="en-US" altLang="ko-KR" sz="2800" dirty="0" smtClean="0">
+              <a:t>Technologies </a:t>
+            </a:r>
+            <a:r>
+              <a:rPr lang="en-US" altLang="ko-KR" sz="2400" dirty="0" smtClean="0">
                 <a:ln>
                   <a:solidFill>
                     <a:schemeClr val="accent1">
@@ -4935,17 +5473,88 @@
                   </a:solidFill>
                 </a:ln>
                 <a:solidFill>
-                  <a:schemeClr val="tx1">
-                    <a:lumMod val="65000"/>
-                    <a:lumOff val="35000"/>
-                  </a:schemeClr>
-                </a:solidFill>
-                <a:latin typeface="나눔스퀘어" panose="020B0600000101010101" pitchFamily="50" charset="-127"/>
-                <a:ea typeface="나눔스퀘어" panose="020B0600000101010101" pitchFamily="50" charset="-127"/>
+                  <a:srgbClr val="FFCD15"/>
+                </a:solidFill>
+                <a:latin typeface="나눔고딕 ExtraBold" panose="020D0904000000000000" pitchFamily="50" charset="-127"/>
+                <a:ea typeface="나눔고딕 ExtraBold" panose="020D0904000000000000" pitchFamily="50" charset="-127"/>
               </a:rPr>
-              <a:t>VR</a:t>
-            </a:r>
-            <a:endParaRPr lang="ko-KR" altLang="en-US" sz="2800" dirty="0">
+              <a:t>+ Humanities</a:t>
+            </a:r>
+          </a:p>
+          <a:p>
+            <a:pPr algn="ctr"/>
+            <a:r>
+              <a:rPr lang="en-US" altLang="ko-KR" sz="2400" dirty="0" smtClean="0">
+                <a:ln>
+                  <a:solidFill>
+                    <a:schemeClr val="accent1">
+                      <a:alpha val="0"/>
+                    </a:schemeClr>
+                  </a:solidFill>
+                </a:ln>
+                <a:solidFill>
+                  <a:srgbClr val="FFCD15"/>
+                </a:solidFill>
+                <a:latin typeface="나눔고딕 ExtraBold" panose="020D0904000000000000" pitchFamily="50" charset="-127"/>
+                <a:ea typeface="나눔고딕 ExtraBold" panose="020D0904000000000000" pitchFamily="50" charset="-127"/>
+              </a:rPr>
+              <a:t>=</a:t>
+            </a:r>
+          </a:p>
+          <a:p>
+            <a:pPr algn="ctr"/>
+            <a:r>
+              <a:rPr lang="en-US" altLang="ko-KR" sz="2400" dirty="0" smtClean="0">
+                <a:ln>
+                  <a:solidFill>
+                    <a:schemeClr val="accent1">
+                      <a:alpha val="0"/>
+                    </a:schemeClr>
+                  </a:solidFill>
+                </a:ln>
+                <a:solidFill>
+                  <a:srgbClr val="FFCD15"/>
+                </a:solidFill>
+                <a:latin typeface="나눔고딕 ExtraBold" panose="020D0904000000000000" pitchFamily="50" charset="-127"/>
+                <a:ea typeface="나눔고딕 ExtraBold" panose="020D0904000000000000" pitchFamily="50" charset="-127"/>
+              </a:rPr>
+              <a:t>IT</a:t>
+            </a:r>
+            <a:r>
+              <a:rPr lang="ko-KR" altLang="en-US" sz="2400" dirty="0">
+                <a:ln>
+                  <a:solidFill>
+                    <a:schemeClr val="accent1">
+                      <a:alpha val="0"/>
+                    </a:schemeClr>
+                  </a:solidFill>
+                </a:ln>
+                <a:solidFill>
+                  <a:srgbClr val="FFCD15"/>
+                </a:solidFill>
+                <a:latin typeface="나눔고딕 ExtraBold" panose="020D0904000000000000" pitchFamily="50" charset="-127"/>
+                <a:ea typeface="나눔고딕 ExtraBold" panose="020D0904000000000000" pitchFamily="50" charset="-127"/>
+              </a:rPr>
+              <a:t> </a:t>
+            </a:r>
+            <a:r>
+              <a:rPr lang="ko-KR" altLang="en-US" sz="2400" dirty="0" err="1" smtClean="0">
+                <a:ln>
+                  <a:solidFill>
+                    <a:schemeClr val="accent1">
+                      <a:alpha val="0"/>
+                    </a:schemeClr>
+                  </a:solidFill>
+                </a:ln>
+                <a:solidFill>
+                  <a:srgbClr val="FFCD15"/>
+                </a:solidFill>
+                <a:latin typeface="나눔고딕 ExtraBold" panose="020D0904000000000000" pitchFamily="50" charset="-127"/>
+                <a:ea typeface="나눔고딕 ExtraBold" panose="020D0904000000000000" pitchFamily="50" charset="-127"/>
+              </a:rPr>
+              <a:t>융합전공</a:t>
+            </a:r>
+            <a:endParaRPr lang="ko-KR" altLang="en-US" sz="2400" dirty="0">
               <a:ln>
                 <a:solidFill>
                   <a:schemeClr val="accent1">
@@ -4954,13 +5563,10 @@
                 </a:solidFill>
               </a:ln>
               <a:solidFill>
-                <a:schemeClr val="tx1">
-                  <a:lumMod val="65000"/>
-                  <a:lumOff val="35000"/>
-                </a:schemeClr>
+                <a:srgbClr val="FFCD15"/>
               </a:solidFill>
-              <a:latin typeface="나눔스퀘어" panose="020B0600000101010101" pitchFamily="50" charset="-127"/>
-              <a:ea typeface="나눔스퀘어" panose="020B0600000101010101" pitchFamily="50" charset="-127"/>
+              <a:latin typeface="나눔고딕 ExtraBold" panose="020D0904000000000000" pitchFamily="50" charset="-127"/>
+              <a:ea typeface="나눔고딕 ExtraBold" panose="020D0904000000000000" pitchFamily="50" charset="-127"/>
             </a:endParaRPr>
           </a:p>
         </p:txBody>
@@ -4968,7 +5574,7 @@
     </p:spTree>
     <p:extLst>
       <p:ext uri="{BB962C8B-B14F-4D97-AF65-F5344CB8AC3E}">
-        <p14:creationId xmlns:p14="http://schemas.microsoft.com/office/powerpoint/2010/main" val="529296023"/>
+        <p14:creationId xmlns:p14="http://schemas.microsoft.com/office/powerpoint/2010/main" val="4156876255"/>
       </p:ext>
     </p:extLst>
   </p:cSld>
@@ -5002,153 +5608,10 @@
           <a:chExt cx="0" cy="0"/>
         </a:xfrm>
       </p:grpSpPr>
-      <p:sp>
-        <p:nvSpPr>
-          <p:cNvPr id="6" name="TextBox 5"/>
-          <p:cNvSpPr txBox="1"/>
-          <p:nvPr/>
-        </p:nvSpPr>
-        <p:spPr>
-          <a:xfrm>
-            <a:off x="2669025" y="2787161"/>
-            <a:ext cx="6572633" cy="523220"/>
-          </a:xfrm>
-          <a:prstGeom prst="rect">
-            <a:avLst/>
-          </a:prstGeom>
-          <a:noFill/>
-        </p:spPr>
-        <p:txBody>
-          <a:bodyPr wrap="none" rtlCol="0" anchor="ctr">
-            <a:spAutoFit/>
-          </a:bodyPr>
-          <a:lstStyle/>
-          <a:p>
-            <a:pPr algn="ctr"/>
-            <a:r>
-              <a:rPr lang="en-US" altLang="ko-KR" sz="2800" dirty="0" smtClean="0">
-                <a:ln>
-                  <a:solidFill>
-                    <a:schemeClr val="accent1">
-                      <a:alpha val="0"/>
-                    </a:schemeClr>
-                  </a:solidFill>
-                </a:ln>
-                <a:solidFill>
-                  <a:schemeClr val="tx1">
-                    <a:lumMod val="65000"/>
-                    <a:lumOff val="35000"/>
-                  </a:schemeClr>
-                </a:solidFill>
-                <a:latin typeface="나눔스퀘어" panose="020B0600000101010101" pitchFamily="50" charset="-127"/>
-                <a:ea typeface="나눔스퀘어" panose="020B0600000101010101" pitchFamily="50" charset="-127"/>
-              </a:rPr>
-              <a:t>VR </a:t>
-            </a:r>
-            <a:r>
-              <a:rPr lang="en-US" altLang="ko-KR" sz="2800" dirty="0" smtClean="0">
-                <a:ln>
-                  <a:solidFill>
-                    <a:schemeClr val="accent1">
-                      <a:alpha val="0"/>
-                    </a:schemeClr>
-                  </a:solidFill>
-                </a:ln>
-                <a:solidFill>
-                  <a:schemeClr val="tx1">
-                    <a:lumMod val="65000"/>
-                    <a:lumOff val="35000"/>
-                  </a:schemeClr>
-                </a:solidFill>
-                <a:latin typeface="나눔스퀘어" panose="020B0600000101010101" pitchFamily="50" charset="-127"/>
-                <a:ea typeface="나눔스퀘어" panose="020B0600000101010101" pitchFamily="50" charset="-127"/>
-              </a:rPr>
-              <a:t>Solution </a:t>
-            </a:r>
-            <a:r>
-              <a:rPr lang="ko-KR" altLang="en-US" sz="2800" dirty="0" smtClean="0">
-                <a:ln>
-                  <a:solidFill>
-                    <a:schemeClr val="accent1">
-                      <a:alpha val="0"/>
-                    </a:schemeClr>
-                  </a:solidFill>
-                </a:ln>
-                <a:solidFill>
-                  <a:schemeClr val="tx1">
-                    <a:lumMod val="65000"/>
-                    <a:lumOff val="35000"/>
-                  </a:schemeClr>
-                </a:solidFill>
-                <a:latin typeface="나눔스퀘어" panose="020B0600000101010101" pitchFamily="50" charset="-127"/>
-                <a:ea typeface="나눔스퀘어" panose="020B0600000101010101" pitchFamily="50" charset="-127"/>
-              </a:rPr>
-              <a:t>제작 스타트업에서 </a:t>
-            </a:r>
-            <a:r>
-              <a:rPr lang="en-US" altLang="ko-KR" sz="2800" dirty="0" smtClean="0">
-                <a:ln>
-                  <a:solidFill>
-                    <a:schemeClr val="accent1">
-                      <a:alpha val="0"/>
-                    </a:schemeClr>
-                  </a:solidFill>
-                </a:ln>
-                <a:solidFill>
-                  <a:schemeClr val="tx1">
-                    <a:lumMod val="65000"/>
-                    <a:lumOff val="35000"/>
-                  </a:schemeClr>
-                </a:solidFill>
-                <a:latin typeface="나눔스퀘어" panose="020B0600000101010101" pitchFamily="50" charset="-127"/>
-                <a:ea typeface="나눔스퀘어" panose="020B0600000101010101" pitchFamily="50" charset="-127"/>
-              </a:rPr>
-              <a:t>1</a:t>
-            </a:r>
-            <a:r>
-              <a:rPr lang="ko-KR" altLang="en-US" sz="2800" dirty="0" smtClean="0">
-                <a:ln>
-                  <a:solidFill>
-                    <a:schemeClr val="accent1">
-                      <a:alpha val="0"/>
-                    </a:schemeClr>
-                  </a:solidFill>
-                </a:ln>
-                <a:solidFill>
-                  <a:schemeClr val="tx1">
-                    <a:lumMod val="65000"/>
-                    <a:lumOff val="35000"/>
-                  </a:schemeClr>
-                </a:solidFill>
-                <a:latin typeface="나눔스퀘어" panose="020B0600000101010101" pitchFamily="50" charset="-127"/>
-                <a:ea typeface="나눔스퀘어" panose="020B0600000101010101" pitchFamily="50" charset="-127"/>
-              </a:rPr>
-              <a:t>년간 근무</a:t>
-            </a:r>
-            <a:endParaRPr lang="ko-KR" altLang="en-US" sz="2800" dirty="0">
-              <a:ln>
-                <a:solidFill>
-                  <a:schemeClr val="accent1">
-                    <a:alpha val="0"/>
-                  </a:schemeClr>
-                </a:solidFill>
-              </a:ln>
-              <a:solidFill>
-                <a:schemeClr val="tx1">
-                  <a:lumMod val="65000"/>
-                  <a:lumOff val="35000"/>
-                </a:schemeClr>
-              </a:solidFill>
-              <a:latin typeface="나눔스퀘어" panose="020B0600000101010101" pitchFamily="50" charset="-127"/>
-              <a:ea typeface="나눔스퀘어" panose="020B0600000101010101" pitchFamily="50" charset="-127"/>
-            </a:endParaRPr>
-          </a:p>
-        </p:txBody>
-      </p:sp>
     </p:spTree>
     <p:extLst>
       <p:ext uri="{BB962C8B-B14F-4D97-AF65-F5344CB8AC3E}">
-        <p14:creationId xmlns:p14="http://schemas.microsoft.com/office/powerpoint/2010/main" val="1165886519"/>
+        <p14:creationId xmlns:p14="http://schemas.microsoft.com/office/powerpoint/2010/main" val="529296023"/>
       </p:ext>
     </p:extLst>
   </p:cSld>
@@ -5184,14 +5647,14 @@
       </p:grpSpPr>
       <p:sp>
         <p:nvSpPr>
-          <p:cNvPr id="6" name="TextBox 5"/>
+          <p:cNvPr id="3" name="TextBox 2"/>
           <p:cNvSpPr txBox="1"/>
           <p:nvPr/>
         </p:nvSpPr>
         <p:spPr>
           <a:xfrm>
-            <a:off x="2960777" y="2787161"/>
-            <a:ext cx="5989140" cy="523220"/>
+            <a:off x="5515061" y="3235569"/>
+            <a:ext cx="1548822" cy="523220"/>
           </a:xfrm>
           <a:prstGeom prst="rect">
             <a:avLst/>
@@ -5223,87 +5686,7 @@
                 <a:latin typeface="나눔스퀘어" panose="020B0600000101010101" pitchFamily="50" charset="-127"/>
                 <a:ea typeface="나눔스퀘어" panose="020B0600000101010101" pitchFamily="50" charset="-127"/>
               </a:rPr>
-              <a:t>KT 5G </a:t>
-            </a:r>
-            <a:r>
-              <a:rPr lang="ko-KR" altLang="en-US" sz="2800" dirty="0" err="1" smtClean="0">
-                <a:ln>
-                  <a:solidFill>
-                    <a:schemeClr val="accent1">
-                      <a:alpha val="0"/>
-                    </a:schemeClr>
-                  </a:solidFill>
-                </a:ln>
-                <a:solidFill>
-                  <a:schemeClr val="tx1">
-                    <a:lumMod val="65000"/>
-                    <a:lumOff val="35000"/>
-                  </a:schemeClr>
-                </a:solidFill>
-                <a:latin typeface="나눔스퀘어" panose="020B0600000101010101" pitchFamily="50" charset="-127"/>
-                <a:ea typeface="나눔스퀘어" panose="020B0600000101010101" pitchFamily="50" charset="-127"/>
-              </a:rPr>
-              <a:t>미디어데이</a:t>
-            </a:r>
-            <a:r>
-              <a:rPr lang="ko-KR" altLang="en-US" sz="2800" dirty="0" smtClean="0">
-                <a:ln>
-                  <a:solidFill>
-                    <a:schemeClr val="accent1">
-                      <a:alpha val="0"/>
-                    </a:schemeClr>
-                  </a:solidFill>
-                </a:ln>
-                <a:solidFill>
-                  <a:schemeClr val="tx1">
-                    <a:lumMod val="65000"/>
-                    <a:lumOff val="35000"/>
-                  </a:schemeClr>
-                </a:solidFill>
-                <a:latin typeface="나눔스퀘어" panose="020B0600000101010101" pitchFamily="50" charset="-127"/>
-                <a:ea typeface="나눔스퀘어" panose="020B0600000101010101" pitchFamily="50" charset="-127"/>
-              </a:rPr>
-              <a:t> 행사 </a:t>
-            </a:r>
-            <a:r>
-              <a:rPr lang="en-US" altLang="ko-KR" sz="2800" dirty="0" smtClean="0">
-                <a:ln>
-                  <a:solidFill>
-                    <a:schemeClr val="accent1">
-                      <a:alpha val="0"/>
-                    </a:schemeClr>
-                  </a:solidFill>
-                </a:ln>
-                <a:solidFill>
-                  <a:schemeClr val="tx1">
-                    <a:lumMod val="65000"/>
-                    <a:lumOff val="35000"/>
-                  </a:schemeClr>
-                </a:solidFill>
-                <a:latin typeface="나눔스퀘어" panose="020B0600000101010101" pitchFamily="50" charset="-127"/>
-                <a:ea typeface="나눔스퀘어" panose="020B0600000101010101" pitchFamily="50" charset="-127"/>
-              </a:rPr>
-              <a:t>VR </a:t>
-            </a:r>
-            <a:r>
-              <a:rPr lang="ko-KR" altLang="en-US" sz="2800" dirty="0" smtClean="0">
-                <a:ln>
-                  <a:solidFill>
-                    <a:schemeClr val="accent1">
-                      <a:alpha val="0"/>
-                    </a:schemeClr>
-                  </a:solidFill>
-                </a:ln>
-                <a:solidFill>
-                  <a:schemeClr val="tx1">
-                    <a:lumMod val="65000"/>
-                    <a:lumOff val="35000"/>
-                  </a:schemeClr>
-                </a:solidFill>
-                <a:latin typeface="나눔스퀘어" panose="020B0600000101010101" pitchFamily="50" charset="-127"/>
-                <a:ea typeface="나눔스퀘어" panose="020B0600000101010101" pitchFamily="50" charset="-127"/>
-              </a:rPr>
-              <a:t>콘텐츠 제작</a:t>
+              <a:t>Big Data</a:t>
             </a:r>
             <a:endParaRPr lang="ko-KR" altLang="en-US" sz="2800" dirty="0">
               <a:ln>
@@ -5325,10 +5708,136 @@
           </a:p>
         </p:txBody>
       </p:sp>
+      <p:sp>
+        <p:nvSpPr>
+          <p:cNvPr id="5" name="TextBox 4"/>
+          <p:cNvSpPr txBox="1"/>
+          <p:nvPr/>
+        </p:nvSpPr>
+        <p:spPr>
+          <a:xfrm>
+            <a:off x="2099428" y="3235569"/>
+            <a:ext cx="1837171" cy="523220"/>
+          </a:xfrm>
+          <a:prstGeom prst="rect">
+            <a:avLst/>
+          </a:prstGeom>
+          <a:noFill/>
+        </p:spPr>
+        <p:txBody>
+          <a:bodyPr wrap="none" rtlCol="0" anchor="ctr">
+            <a:spAutoFit/>
+          </a:bodyPr>
+          <a:lstStyle/>
+          <a:p>
+            <a:pPr algn="ctr"/>
+            <a:r>
+              <a:rPr lang="en-US" altLang="ko-KR" sz="2800" dirty="0" smtClean="0">
+                <a:ln>
+                  <a:solidFill>
+                    <a:schemeClr val="accent1">
+                      <a:alpha val="0"/>
+                    </a:schemeClr>
+                  </a:solidFill>
+                </a:ln>
+                <a:solidFill>
+                  <a:schemeClr val="tx1">
+                    <a:lumMod val="65000"/>
+                    <a:lumOff val="35000"/>
+                  </a:schemeClr>
+                </a:solidFill>
+                <a:latin typeface="나눔스퀘어" panose="020B0600000101010101" pitchFamily="50" charset="-127"/>
+                <a:ea typeface="나눔스퀘어" panose="020B0600000101010101" pitchFamily="50" charset="-127"/>
+              </a:rPr>
+              <a:t>Marketing</a:t>
+            </a:r>
+            <a:endParaRPr lang="ko-KR" altLang="en-US" sz="2800" dirty="0">
+              <a:ln>
+                <a:solidFill>
+                  <a:schemeClr val="accent1">
+                    <a:alpha val="0"/>
+                  </a:schemeClr>
+                </a:solidFill>
+              </a:ln>
+              <a:solidFill>
+                <a:schemeClr val="tx1">
+                  <a:lumMod val="65000"/>
+                  <a:lumOff val="35000"/>
+                </a:schemeClr>
+              </a:solidFill>
+              <a:latin typeface="나눔스퀘어" panose="020B0600000101010101" pitchFamily="50" charset="-127"/>
+              <a:ea typeface="나눔스퀘어" panose="020B0600000101010101" pitchFamily="50" charset="-127"/>
+            </a:endParaRPr>
+          </a:p>
+        </p:txBody>
+      </p:sp>
+      <p:sp>
+        <p:nvSpPr>
+          <p:cNvPr id="6" name="TextBox 5"/>
+          <p:cNvSpPr txBox="1"/>
+          <p:nvPr/>
+        </p:nvSpPr>
+        <p:spPr>
+          <a:xfrm>
+            <a:off x="8888529" y="3235569"/>
+            <a:ext cx="639920" cy="523220"/>
+          </a:xfrm>
+          <a:prstGeom prst="rect">
+            <a:avLst/>
+          </a:prstGeom>
+          <a:noFill/>
+        </p:spPr>
+        <p:txBody>
+          <a:bodyPr wrap="none" rtlCol="0" anchor="ctr">
+            <a:spAutoFit/>
+          </a:bodyPr>
+          <a:lstStyle/>
+          <a:p>
+            <a:pPr algn="ctr"/>
+            <a:r>
+              <a:rPr lang="en-US" altLang="ko-KR" sz="2800" dirty="0" smtClean="0">
+                <a:ln>
+                  <a:solidFill>
+                    <a:schemeClr val="accent1">
+                      <a:alpha val="0"/>
+                    </a:schemeClr>
+                  </a:solidFill>
+                </a:ln>
+                <a:solidFill>
+                  <a:schemeClr val="tx1">
+                    <a:lumMod val="65000"/>
+                    <a:lumOff val="35000"/>
+                  </a:schemeClr>
+                </a:solidFill>
+                <a:latin typeface="나눔스퀘어" panose="020B0600000101010101" pitchFamily="50" charset="-127"/>
+                <a:ea typeface="나눔스퀘어" panose="020B0600000101010101" pitchFamily="50" charset="-127"/>
+              </a:rPr>
+              <a:t>VR</a:t>
+            </a:r>
+            <a:endParaRPr lang="ko-KR" altLang="en-US" sz="2800" dirty="0">
+              <a:ln>
+                <a:solidFill>
+                  <a:schemeClr val="accent1">
+                    <a:alpha val="0"/>
+                  </a:schemeClr>
+                </a:solidFill>
+              </a:ln>
+              <a:solidFill>
+                <a:schemeClr val="tx1">
+                  <a:lumMod val="65000"/>
+                  <a:lumOff val="35000"/>
+                </a:schemeClr>
+              </a:solidFill>
+              <a:latin typeface="나눔스퀘어" panose="020B0600000101010101" pitchFamily="50" charset="-127"/>
+              <a:ea typeface="나눔스퀘어" panose="020B0600000101010101" pitchFamily="50" charset="-127"/>
+            </a:endParaRPr>
+          </a:p>
+        </p:txBody>
+      </p:sp>
     </p:spTree>
     <p:extLst>
       <p:ext uri="{BB962C8B-B14F-4D97-AF65-F5344CB8AC3E}">
-        <p14:creationId xmlns:p14="http://schemas.microsoft.com/office/powerpoint/2010/main" val="4099421044"/>
+        <p14:creationId xmlns:p14="http://schemas.microsoft.com/office/powerpoint/2010/main" val="4279183307"/>
       </p:ext>
     </p:extLst>
   </p:cSld>
@@ -5370,8 +5879,8 @@
         </p:nvSpPr>
         <p:spPr>
           <a:xfrm>
-            <a:off x="5365890" y="2787161"/>
-            <a:ext cx="1178913" cy="523220"/>
+            <a:off x="2669025" y="2787161"/>
+            <a:ext cx="6572633" cy="523220"/>
           </a:xfrm>
           <a:prstGeom prst="rect">
             <a:avLst/>
@@ -5403,7 +5912,67 @@
                 <a:latin typeface="나눔스퀘어" panose="020B0600000101010101" pitchFamily="50" charset="-127"/>
                 <a:ea typeface="나눔스퀘어" panose="020B0600000101010101" pitchFamily="50" charset="-127"/>
               </a:rPr>
-              <a:t>WHY?</a:t>
+              <a:t>VR Solution </a:t>
+            </a:r>
+            <a:r>
+              <a:rPr lang="ko-KR" altLang="en-US" sz="2800" dirty="0" smtClean="0">
+                <a:ln>
+                  <a:solidFill>
+                    <a:schemeClr val="accent1">
+                      <a:alpha val="0"/>
+                    </a:schemeClr>
+                  </a:solidFill>
+                </a:ln>
+                <a:solidFill>
+                  <a:schemeClr val="tx1">
+                    <a:lumMod val="65000"/>
+                    <a:lumOff val="35000"/>
+                  </a:schemeClr>
+                </a:solidFill>
+                <a:latin typeface="나눔스퀘어" panose="020B0600000101010101" pitchFamily="50" charset="-127"/>
+                <a:ea typeface="나눔스퀘어" panose="020B0600000101010101" pitchFamily="50" charset="-127"/>
+              </a:rPr>
+              <a:t>제작 스타트업에서 </a:t>
+            </a:r>
+            <a:r>
+              <a:rPr lang="en-US" altLang="ko-KR" sz="2800" dirty="0" smtClean="0">
+                <a:ln>
+                  <a:solidFill>
+                    <a:schemeClr val="accent1">
+                      <a:alpha val="0"/>
+                    </a:schemeClr>
+                  </a:solidFill>
+                </a:ln>
+                <a:solidFill>
+                  <a:schemeClr val="tx1">
+                    <a:lumMod val="65000"/>
+                    <a:lumOff val="35000"/>
+                  </a:schemeClr>
+                </a:solidFill>
+                <a:latin typeface="나눔스퀘어" panose="020B0600000101010101" pitchFamily="50" charset="-127"/>
+                <a:ea typeface="나눔스퀘어" panose="020B0600000101010101" pitchFamily="50" charset="-127"/>
+              </a:rPr>
+              <a:t>1</a:t>
+            </a:r>
+            <a:r>
+              <a:rPr lang="ko-KR" altLang="en-US" sz="2800" dirty="0" smtClean="0">
+                <a:ln>
+                  <a:solidFill>
+                    <a:schemeClr val="accent1">
+                      <a:alpha val="0"/>
+                    </a:schemeClr>
+                  </a:solidFill>
+                </a:ln>
+                <a:solidFill>
+                  <a:schemeClr val="tx1">
+                    <a:lumMod val="65000"/>
+                    <a:lumOff val="35000"/>
+                  </a:schemeClr>
+                </a:solidFill>
+                <a:latin typeface="나눔스퀘어" panose="020B0600000101010101" pitchFamily="50" charset="-127"/>
+                <a:ea typeface="나눔스퀘어" panose="020B0600000101010101" pitchFamily="50" charset="-127"/>
+              </a:rPr>
+              <a:t>년간 근무</a:t>
             </a:r>
             <a:endParaRPr lang="ko-KR" altLang="en-US" sz="2800" dirty="0">
               <a:ln>
@@ -5428,7 +5997,7 @@
     </p:spTree>
     <p:extLst>
       <p:ext uri="{BB962C8B-B14F-4D97-AF65-F5344CB8AC3E}">
-        <p14:creationId xmlns:p14="http://schemas.microsoft.com/office/powerpoint/2010/main" val="1026166836"/>
+        <p14:creationId xmlns:p14="http://schemas.microsoft.com/office/powerpoint/2010/main" val="1165886519"/>
       </p:ext>
     </p:extLst>
   </p:cSld>
